--- a/Part 8 - Advanced Topics/powerpoint/Database Performance Tuning.pptx
+++ b/Part 8 - Advanced Topics/powerpoint/Database Performance Tuning.pptx
@@ -5,7 +5,7 @@
     <p:sldMasterId id="2147483648" r:id="rId1"/>
   </p:sldMasterIdLst>
   <p:notesMasterIdLst>
-    <p:notesMasterId r:id="rId25"/>
+    <p:notesMasterId r:id="rId33"/>
   </p:notesMasterIdLst>
   <p:sldIdLst>
     <p:sldId id="257" r:id="rId2"/>
@@ -28,9 +28,17 @@
     <p:sldId id="319" r:id="rId19"/>
     <p:sldId id="320" r:id="rId20"/>
     <p:sldId id="321" r:id="rId21"/>
-    <p:sldId id="322" r:id="rId22"/>
-    <p:sldId id="324" r:id="rId23"/>
-    <p:sldId id="323" r:id="rId24"/>
+    <p:sldId id="325" r:id="rId22"/>
+    <p:sldId id="326" r:id="rId23"/>
+    <p:sldId id="327" r:id="rId24"/>
+    <p:sldId id="328" r:id="rId25"/>
+    <p:sldId id="329" r:id="rId26"/>
+    <p:sldId id="331" r:id="rId27"/>
+    <p:sldId id="333" r:id="rId28"/>
+    <p:sldId id="332" r:id="rId29"/>
+    <p:sldId id="322" r:id="rId30"/>
+    <p:sldId id="324" r:id="rId31"/>
+    <p:sldId id="323" r:id="rId32"/>
   </p:sldIdLst>
   <p:sldSz cx="12192000" cy="6858000"/>
   <p:notesSz cx="6858000" cy="9144000"/>
@@ -7504,11 +7512,11 @@
           <a:p>
             <a:pPr algn="l"/>
             <a:r>
-              <a:rPr lang="en-US" sz="1800" dirty="0"/>
+              <a:rPr lang="en-US" dirty="0"/>
               <a:t>The </a:t>
             </a:r>
             <a:r>
-              <a:rPr lang="en-US" sz="1800" b="1" dirty="0">
+              <a:rPr lang="en-US" b="1" dirty="0">
                 <a:solidFill>
                   <a:srgbClr val="0070C0"/>
                 </a:solidFill>
@@ -7516,11 +7524,11 @@
               <a:t>highest level of database tuning</a:t>
             </a:r>
             <a:r>
-              <a:rPr lang="en-US" sz="1800" dirty="0"/>
+              <a:rPr lang="en-US" dirty="0"/>
               <a:t>, which is under the control of application developers, includes the </a:t>
             </a:r>
             <a:r>
-              <a:rPr lang="en-US" sz="1800" b="1" dirty="0">
+              <a:rPr lang="en-US" b="1" dirty="0">
                 <a:solidFill>
                   <a:srgbClr val="00B050"/>
                 </a:solidFill>
@@ -7528,64 +7536,64 @@
               <a:t>schema and queries</a:t>
             </a:r>
             <a:r>
-              <a:rPr lang="en-US" sz="1800" dirty="0"/>
+              <a:rPr lang="en-US" dirty="0"/>
               <a:t>.</a:t>
             </a:r>
           </a:p>
           <a:p>
             <a:pPr algn="l"/>
             <a:r>
-              <a:rPr lang="en-US" sz="1800" dirty="0"/>
+              <a:rPr lang="en-US" dirty="0"/>
               <a:t> </a:t>
             </a:r>
           </a:p>
           <a:p>
             <a:pPr algn="l"/>
             <a:r>
-              <a:rPr lang="en-US" sz="1800" dirty="0"/>
+              <a:rPr lang="en-US" dirty="0"/>
               <a:t>The developer can tune the </a:t>
             </a:r>
             <a:r>
-              <a:rPr lang="en-US" sz="1800" b="1" dirty="0"/>
+              <a:rPr lang="en-US" b="1" dirty="0"/>
               <a:t>design of the schema</a:t>
             </a:r>
             <a:r>
-              <a:rPr lang="en-US" sz="1800" dirty="0"/>
+              <a:rPr lang="en-US" dirty="0"/>
               <a:t>, the </a:t>
             </a:r>
             <a:r>
-              <a:rPr lang="en-US" sz="1800" b="1" dirty="0"/>
+              <a:rPr lang="en-US" b="1" dirty="0"/>
               <a:t>indices that are created</a:t>
             </a:r>
             <a:r>
-              <a:rPr lang="en-US" sz="1800" dirty="0"/>
+              <a:rPr lang="en-US" dirty="0"/>
               <a:t>, and the </a:t>
             </a:r>
             <a:r>
-              <a:rPr lang="en-US" sz="1800" b="1" dirty="0"/>
+              <a:rPr lang="en-US" b="1" dirty="0"/>
               <a:t>transactions</a:t>
             </a:r>
             <a:r>
-              <a:rPr lang="en-US" sz="1800" dirty="0"/>
+              <a:rPr lang="en-US" dirty="0"/>
               <a:t> that are executed to improve performance. </a:t>
             </a:r>
           </a:p>
           <a:p>
             <a:pPr algn="l"/>
-            <a:endParaRPr lang="en-US" sz="1800" dirty="0"/>
-          </a:p>
-          <a:p>
-            <a:pPr algn="l"/>
-            <a:r>
-              <a:rPr lang="en-US" sz="1800" dirty="0"/>
+            <a:endParaRPr lang="en-US" dirty="0"/>
+          </a:p>
+          <a:p>
+            <a:pPr algn="l"/>
+            <a:r>
+              <a:rPr lang="en-US" dirty="0"/>
               <a:t>Tuning at this level is comparatively </a:t>
             </a:r>
             <a:r>
-              <a:rPr lang="en-US" sz="1800" b="1" dirty="0"/>
+              <a:rPr lang="en-US" b="1" dirty="0"/>
               <a:t>system independent</a:t>
             </a:r>
             <a:r>
-              <a:rPr lang="en-US" sz="1800" dirty="0"/>
+              <a:rPr lang="en-US" dirty="0"/>
               <a:t>.</a:t>
             </a:r>
           </a:p>
@@ -7844,7 +7852,7 @@
               <a:rPr lang="en-GB" sz="4000" b="1" dirty="0">
                 <a:latin typeface="Calibri Light (Headings)"/>
               </a:rPr>
-              <a:t>Tuning Database Parameters</a:t>
+              <a:t>Tuning Schemas </a:t>
             </a:r>
             <a:endParaRPr lang="en-PH" sz="4000" b="1" dirty="0">
               <a:latin typeface="Calibri Light (Headings)"/>
@@ -7922,8 +7930,8 @@
         </p:nvSpPr>
         <p:spPr>
           <a:xfrm>
-            <a:off x="456986" y="1155279"/>
-            <a:ext cx="6933888" cy="4734718"/>
+            <a:off x="456985" y="1155279"/>
+            <a:ext cx="11397163" cy="4573491"/>
           </a:xfrm>
         </p:spPr>
         <p:txBody>
@@ -7934,173 +7942,110 @@
           <a:p>
             <a:pPr algn="l"/>
             <a:r>
-              <a:rPr lang="en-US" sz="1800" dirty="0"/>
-              <a:t>The second level consists of the </a:t>
-            </a:r>
-            <a:r>
-              <a:rPr lang="en-US" sz="1800" b="1" dirty="0">
-                <a:solidFill>
-                  <a:srgbClr val="0070C0"/>
-                </a:solidFill>
-              </a:rPr>
-              <a:t>database-system parameters</a:t>
-            </a:r>
-            <a:r>
-              <a:rPr lang="en-US" sz="1800" dirty="0"/>
-              <a:t>, such as buffer size and checkpointing intervals. </a:t>
-            </a:r>
-          </a:p>
-          <a:p>
-            <a:pPr algn="l"/>
-            <a:endParaRPr lang="en-US" sz="1800" dirty="0"/>
-          </a:p>
-          <a:p>
-            <a:pPr algn="l"/>
-            <a:r>
-              <a:rPr lang="en-US" sz="1800" dirty="0"/>
-              <a:t>A </a:t>
-            </a:r>
-            <a:r>
-              <a:rPr lang="en-US" sz="1800" b="1" dirty="0">
+              <a:rPr lang="en-US" dirty="0"/>
+              <a:t>Tuning of the physical schema, such as </a:t>
+            </a:r>
+            <a:r>
+              <a:rPr lang="en-US" b="1" dirty="0">
                 <a:solidFill>
                   <a:srgbClr val="00B050"/>
                 </a:solidFill>
               </a:rPr>
-              <a:t>buffer</a:t>
-            </a:r>
-            <a:r>
-              <a:rPr lang="en-US" sz="1800" dirty="0"/>
-              <a:t> is a memory location used by a database management system (DBMS) to </a:t>
-            </a:r>
-            <a:r>
-              <a:rPr lang="en-US" sz="1800" b="1" dirty="0">
-                <a:solidFill>
-                  <a:srgbClr val="0070C0"/>
-                </a:solidFill>
-              </a:rPr>
-              <a:t>temporarily hold data </a:t>
-            </a:r>
-            <a:r>
-              <a:rPr lang="en-US" sz="1800" dirty="0"/>
-              <a:t>that has recently been accessed or updated in the database.</a:t>
-            </a:r>
-          </a:p>
-          <a:p>
-            <a:pPr algn="l"/>
-            <a:endParaRPr lang="en-US" sz="1800" dirty="0"/>
-          </a:p>
-          <a:p>
-            <a:pPr algn="l"/>
-            <a:r>
-              <a:rPr lang="en-US" sz="1800" dirty="0"/>
-              <a:t>This buffer acts as a link between the programs accessing the data and the physical storage devices</a:t>
-            </a:r>
-          </a:p>
-          <a:p>
-            <a:pPr algn="l"/>
-            <a:endParaRPr lang="en-US" sz="1800" dirty="0"/>
-          </a:p>
-          <a:p>
-            <a:pPr algn="l"/>
-            <a:r>
-              <a:rPr lang="en-US" sz="1800" dirty="0"/>
-              <a:t>The database buffer is essential for enhancing the DBMS's overall performance. Caching frequently requested data in memory, it </a:t>
-            </a:r>
-            <a:r>
-              <a:rPr lang="en-US" sz="1800" b="1" dirty="0">
-                <a:solidFill>
-                  <a:srgbClr val="0070C0"/>
-                </a:solidFill>
-              </a:rPr>
-              <a:t>decreases the frequency of disc I/O operations</a:t>
-            </a:r>
-            <a:r>
-              <a:rPr lang="en-US" sz="1800" dirty="0"/>
-              <a:t>, accelerating query and transaction processing.</a:t>
+              <a:t>indices</a:t>
+            </a:r>
+            <a:r>
+              <a:rPr lang="en-US" dirty="0"/>
+              <a:t> and materialized </a:t>
+            </a:r>
+            <a:r>
+              <a:rPr lang="en-US" b="1" dirty="0">
+                <a:solidFill>
+                  <a:srgbClr val="00B050"/>
+                </a:solidFill>
+              </a:rPr>
+              <a:t>views</a:t>
+            </a:r>
+            <a:r>
+              <a:rPr lang="en-US" dirty="0"/>
+              <a:t>, is the least</a:t>
             </a:r>
             <a:br>
-              <a:rPr lang="en-US" sz="1800" dirty="0"/>
+              <a:rPr lang="en-US" dirty="0"/>
             </a:br>
-            <a:endParaRPr lang="en-US" sz="1800" dirty="0"/>
-          </a:p>
-        </p:txBody>
-      </p:sp>
-      <p:pic>
-        <p:nvPicPr>
-          <p:cNvPr id="5" name="Picture 4" descr="A diagram of a database server&#10;&#10;Description automatically generated">
-            <a:extLst>
-              <a:ext uri="{FF2B5EF4-FFF2-40B4-BE49-F238E27FC236}">
-                <a16:creationId xmlns:a16="http://schemas.microsoft.com/office/drawing/2014/main" id="{B9AA5A0D-D560-72A4-6E35-7F9397BDD014}"/>
-              </a:ext>
-            </a:extLst>
-          </p:cNvPr>
-          <p:cNvPicPr>
-            <a:picLocks noChangeAspect="1"/>
-          </p:cNvPicPr>
-          <p:nvPr/>
-        </p:nvPicPr>
-        <p:blipFill>
-          <a:blip r:embed="rId3">
-            <a:extLst>
-              <a:ext uri="{28A0092B-C50C-407E-A947-70E740481C1C}">
-                <a14:useLocalDpi xmlns:a14="http://schemas.microsoft.com/office/drawing/2010/main" val="0"/>
-              </a:ext>
-            </a:extLst>
-          </a:blip>
-          <a:stretch>
-            <a:fillRect/>
-          </a:stretch>
-        </p:blipFill>
-        <p:spPr>
-          <a:xfrm>
-            <a:off x="9068326" y="762053"/>
-            <a:ext cx="2464960" cy="2308042"/>
-          </a:xfrm>
-          <a:prstGeom prst="rect">
-            <a:avLst/>
-          </a:prstGeom>
-        </p:spPr>
-      </p:pic>
-      <p:pic>
-        <p:nvPicPr>
-          <p:cNvPr id="8" name="Picture 7" descr="A diagram of a database buffer cache&#10;&#10;Description automatically generated">
-            <a:extLst>
-              <a:ext uri="{FF2B5EF4-FFF2-40B4-BE49-F238E27FC236}">
-                <a16:creationId xmlns:a16="http://schemas.microsoft.com/office/drawing/2014/main" id="{02AA7233-2CB9-E07A-9322-86E95F5F9060}"/>
-              </a:ext>
-            </a:extLst>
-          </p:cNvPr>
-          <p:cNvPicPr>
-            <a:picLocks noChangeAspect="1"/>
-          </p:cNvPicPr>
-          <p:nvPr/>
-        </p:nvPicPr>
-        <p:blipFill>
-          <a:blip r:embed="rId4">
-            <a:extLst>
-              <a:ext uri="{28A0092B-C50C-407E-A947-70E740481C1C}">
-                <a14:useLocalDpi xmlns:a14="http://schemas.microsoft.com/office/drawing/2010/main" val="0"/>
-              </a:ext>
-            </a:extLst>
-          </a:blip>
-          <a:stretch>
-            <a:fillRect/>
-          </a:stretch>
-        </p:blipFill>
-        <p:spPr>
-          <a:xfrm>
-            <a:off x="7838383" y="3304452"/>
-            <a:ext cx="3896631" cy="2191855"/>
-          </a:xfrm>
-          <a:prstGeom prst="rect">
-            <a:avLst/>
-          </a:prstGeom>
-        </p:spPr>
-      </p:pic>
+            <a:r>
+              <a:rPr lang="en-US" dirty="0"/>
+              <a:t>disruptive mode of tuning, since it does not affect application code in any way </a:t>
+            </a:r>
+            <a:br>
+              <a:rPr lang="en-US" dirty="0"/>
+            </a:br>
+            <a:endParaRPr lang="en-US" dirty="0"/>
+          </a:p>
+          <a:p>
+            <a:pPr algn="l"/>
+            <a:r>
+              <a:rPr lang="en-US" dirty="0"/>
+              <a:t>We can tune the indices in a database system to improve performance. </a:t>
+            </a:r>
+          </a:p>
+          <a:p>
+            <a:pPr algn="l"/>
+            <a:endParaRPr lang="en-US" dirty="0"/>
+          </a:p>
+          <a:p>
+            <a:pPr algn="l"/>
+            <a:r>
+              <a:rPr lang="en-US" b="1" dirty="0">
+                <a:solidFill>
+                  <a:srgbClr val="00B0F0"/>
+                </a:solidFill>
+              </a:rPr>
+              <a:t>When created indexes:</a:t>
+            </a:r>
+          </a:p>
+          <a:p>
+            <a:pPr algn="l"/>
+            <a:r>
+              <a:rPr lang="en-US" b="1" dirty="0"/>
+              <a:t>If queries are the bottleneck</a:t>
+            </a:r>
+            <a:r>
+              <a:rPr lang="en-US" dirty="0"/>
+              <a:t>, we can often speed them up by creating appropriate indices on relations. </a:t>
+            </a:r>
+          </a:p>
+          <a:p>
+            <a:pPr algn="l"/>
+            <a:endParaRPr lang="en-US" dirty="0"/>
+          </a:p>
+          <a:p>
+            <a:pPr algn="l"/>
+            <a:r>
+              <a:rPr lang="en-US" b="1" dirty="0"/>
+              <a:t>If updates are the bottleneck, </a:t>
+            </a:r>
+            <a:r>
+              <a:rPr lang="en-US" dirty="0"/>
+              <a:t>there may be too many indices, which have to be updated</a:t>
+            </a:r>
+            <a:br>
+              <a:rPr lang="en-US" dirty="0"/>
+            </a:br>
+            <a:r>
+              <a:rPr lang="en-US" dirty="0"/>
+              <a:t>when the relations are updated. Removing indices may speed up certain updates. </a:t>
+            </a:r>
+            <a:br>
+              <a:rPr lang="en-US" dirty="0"/>
+            </a:br>
+            <a:endParaRPr lang="en-US" dirty="0"/>
+          </a:p>
+        </p:txBody>
+      </p:sp>
     </p:spTree>
     <p:extLst>
       <p:ext uri="{BB962C8B-B14F-4D97-AF65-F5344CB8AC3E}">
-        <p14:creationId xmlns:p14="http://schemas.microsoft.com/office/powerpoint/2010/main" val="3980311441"/>
+        <p14:creationId xmlns:p14="http://schemas.microsoft.com/office/powerpoint/2010/main" val="2323699840"/>
       </p:ext>
     </p:extLst>
   </p:cSld>
@@ -8174,6 +8119,3073 @@
               <a:rPr lang="en-GB" sz="4000" b="1" dirty="0">
                 <a:latin typeface="Calibri Light (Headings)"/>
               </a:rPr>
+              <a:t>Tuning Queries </a:t>
+            </a:r>
+            <a:endParaRPr lang="en-PH" sz="4000" b="1" dirty="0">
+              <a:latin typeface="Calibri Light (Headings)"/>
+            </a:endParaRPr>
+          </a:p>
+        </p:txBody>
+      </p:sp>
+      <p:sp>
+        <p:nvSpPr>
+          <p:cNvPr id="4" name="Footer Placeholder 3">
+            <a:extLst>
+              <a:ext uri="{FF2B5EF4-FFF2-40B4-BE49-F238E27FC236}">
+                <a16:creationId xmlns:a16="http://schemas.microsoft.com/office/drawing/2014/main" id="{638E7DE1-45EE-476A-A474-0F3C264AEDA3}"/>
+              </a:ext>
+            </a:extLst>
+          </p:cNvPr>
+          <p:cNvSpPr>
+            <a:spLocks noGrp="1"/>
+          </p:cNvSpPr>
+          <p:nvPr>
+            <p:ph type="ftr" sz="quarter" idx="11"/>
+          </p:nvPr>
+        </p:nvSpPr>
+        <p:spPr>
+          <a:xfrm>
+            <a:off x="0" y="6139541"/>
+            <a:ext cx="12192000" cy="718459"/>
+          </a:xfrm>
+          <a:ln w="28575">
+            <a:solidFill>
+              <a:schemeClr val="accent5">
+                <a:lumMod val="50000"/>
+              </a:schemeClr>
+            </a:solidFill>
+          </a:ln>
+        </p:spPr>
+        <p:txBody>
+          <a:bodyPr/>
+          <a:lstStyle/>
+          <a:p>
+            <a:pPr algn="r"/>
+            <a:r>
+              <a:rPr lang="en-PH" b="1" dirty="0">
+                <a:solidFill>
+                  <a:schemeClr val="tx1"/>
+                </a:solidFill>
+                <a:latin typeface="Calibri (Body)"/>
+              </a:rPr>
+              <a:t>CTADVDBL</a:t>
+            </a:r>
+            <a:r>
+              <a:rPr lang="en-PH" dirty="0">
+                <a:latin typeface="Calibri (Body)"/>
+              </a:rPr>
+              <a:t>	</a:t>
+            </a:r>
+          </a:p>
+        </p:txBody>
+      </p:sp>
+      <p:sp>
+        <p:nvSpPr>
+          <p:cNvPr id="10" name="Subtitle 5">
+            <a:extLst>
+              <a:ext uri="{FF2B5EF4-FFF2-40B4-BE49-F238E27FC236}">
+                <a16:creationId xmlns:a16="http://schemas.microsoft.com/office/drawing/2014/main" id="{1393928C-04CA-D15A-DA77-BC6B3DCD04CE}"/>
+              </a:ext>
+            </a:extLst>
+          </p:cNvPr>
+          <p:cNvSpPr>
+            <a:spLocks noGrp="1"/>
+          </p:cNvSpPr>
+          <p:nvPr>
+            <p:ph type="subTitle" idx="1"/>
+          </p:nvPr>
+        </p:nvSpPr>
+        <p:spPr>
+          <a:xfrm>
+            <a:off x="456985" y="1293030"/>
+            <a:ext cx="5811613" cy="4573491"/>
+          </a:xfrm>
+        </p:spPr>
+        <p:txBody>
+          <a:bodyPr>
+            <a:noAutofit/>
+          </a:bodyPr>
+          <a:lstStyle/>
+          <a:p>
+            <a:pPr algn="l"/>
+            <a:r>
+              <a:rPr lang="en-US" sz="1800" dirty="0">
+                <a:latin typeface="Calibri (Body)"/>
+              </a:rPr>
+              <a:t>The performance of an application can often be significantly improved by </a:t>
+            </a:r>
+            <a:r>
+              <a:rPr lang="en-US" sz="1800" b="1" dirty="0">
+                <a:solidFill>
+                  <a:srgbClr val="00B050"/>
+                </a:solidFill>
+                <a:latin typeface="Calibri (Body)"/>
+              </a:rPr>
+              <a:t>rewriting queries</a:t>
+            </a:r>
+            <a:r>
+              <a:rPr lang="en-US" sz="1800" dirty="0">
+                <a:latin typeface="Calibri (Body)"/>
+              </a:rPr>
+              <a:t>.</a:t>
+            </a:r>
+          </a:p>
+          <a:p>
+            <a:pPr algn="l"/>
+            <a:r>
+              <a:rPr lang="en-US" sz="1800" dirty="0">
+                <a:latin typeface="Calibri (Body)"/>
+              </a:rPr>
+              <a:t>In the past, optimizers on many database systems were not particularly good, so </a:t>
+            </a:r>
+            <a:r>
+              <a:rPr lang="en-US" sz="1800" b="1" dirty="0">
+                <a:solidFill>
+                  <a:srgbClr val="0070C0"/>
+                </a:solidFill>
+                <a:latin typeface="Calibri (Body)"/>
+              </a:rPr>
+              <a:t>how a query was written would have a big influence on how it was executed</a:t>
+            </a:r>
+            <a:r>
+              <a:rPr lang="en-US" sz="1800" dirty="0">
+                <a:latin typeface="Calibri (Body)"/>
+              </a:rPr>
+              <a:t>, and therefore on the performance. </a:t>
+            </a:r>
+          </a:p>
+          <a:p>
+            <a:pPr algn="l"/>
+            <a:endParaRPr lang="en-US" sz="1800" dirty="0">
+              <a:latin typeface="Calibri (Body)"/>
+            </a:endParaRPr>
+          </a:p>
+          <a:p>
+            <a:pPr algn="l"/>
+            <a:r>
+              <a:rPr lang="en-US" sz="1800" b="1" dirty="0">
+                <a:solidFill>
+                  <a:srgbClr val="0070C0"/>
+                </a:solidFill>
+                <a:latin typeface="Calibri (Body)"/>
+              </a:rPr>
+              <a:t>Today’s advanced optimizers can transform even badly written queries and execute them efficiently</a:t>
+            </a:r>
+            <a:r>
+              <a:rPr lang="en-US" sz="1800" dirty="0">
+                <a:latin typeface="Calibri (Body)"/>
+              </a:rPr>
+              <a:t>, so the need for tuning individual queries is less important than it used to be. </a:t>
+            </a:r>
+          </a:p>
+          <a:p>
+            <a:pPr algn="l"/>
+            <a:endParaRPr lang="en-US" sz="1800" dirty="0">
+              <a:latin typeface="Calibri (Body)"/>
+            </a:endParaRPr>
+          </a:p>
+          <a:p>
+            <a:pPr algn="l"/>
+            <a:r>
+              <a:rPr lang="en-US" sz="1800" b="0" i="0" dirty="0">
+                <a:solidFill>
+                  <a:srgbClr val="242021"/>
+                </a:solidFill>
+                <a:effectLst/>
+                <a:latin typeface="Calibri (Body)"/>
+              </a:rPr>
+              <a:t>However, </a:t>
+            </a:r>
+            <a:r>
+              <a:rPr lang="en-US" sz="1800" b="1" i="0" dirty="0">
+                <a:solidFill>
+                  <a:srgbClr val="FF0000"/>
+                </a:solidFill>
+                <a:effectLst/>
+                <a:latin typeface="Calibri (Body)"/>
+              </a:rPr>
+              <a:t>sometimes query optimizers choose bad plans</a:t>
+            </a:r>
+            <a:r>
+              <a:rPr lang="en-US" sz="1400" b="1" dirty="0">
+                <a:solidFill>
+                  <a:srgbClr val="FF0000"/>
+                </a:solidFill>
+                <a:latin typeface="Calibri (Body)"/>
+              </a:rPr>
+              <a:t> </a:t>
+            </a:r>
+            <a:br>
+              <a:rPr lang="en-US" sz="1400" dirty="0">
+                <a:latin typeface="Calibri (Body)"/>
+              </a:rPr>
+            </a:br>
+            <a:br>
+              <a:rPr lang="en-US" sz="1800" dirty="0">
+                <a:latin typeface="Calibri (Body)"/>
+              </a:rPr>
+            </a:br>
+            <a:br>
+              <a:rPr lang="en-US" sz="1800" dirty="0">
+                <a:latin typeface="Calibri (Body)"/>
+              </a:rPr>
+            </a:br>
+            <a:endParaRPr lang="en-US" sz="1800" dirty="0">
+              <a:latin typeface="Calibri (Body)"/>
+            </a:endParaRPr>
+          </a:p>
+        </p:txBody>
+      </p:sp>
+      <p:pic>
+        <p:nvPicPr>
+          <p:cNvPr id="7" name="Picture 6" descr="Diagram of a process flow">
+            <a:extLst>
+              <a:ext uri="{FF2B5EF4-FFF2-40B4-BE49-F238E27FC236}">
+                <a16:creationId xmlns:a16="http://schemas.microsoft.com/office/drawing/2014/main" id="{8DEDE003-3973-7313-734B-4B5731FFE741}"/>
+              </a:ext>
+            </a:extLst>
+          </p:cNvPr>
+          <p:cNvPicPr>
+            <a:picLocks noChangeAspect="1"/>
+          </p:cNvPicPr>
+          <p:nvPr/>
+        </p:nvPicPr>
+        <p:blipFill>
+          <a:blip r:embed="rId3">
+            <a:extLst>
+              <a:ext uri="{28A0092B-C50C-407E-A947-70E740481C1C}">
+                <a14:useLocalDpi xmlns:a14="http://schemas.microsoft.com/office/drawing/2010/main" val="0"/>
+              </a:ext>
+            </a:extLst>
+          </a:blip>
+          <a:stretch>
+            <a:fillRect/>
+          </a:stretch>
+        </p:blipFill>
+        <p:spPr>
+          <a:xfrm>
+            <a:off x="6797407" y="1293030"/>
+            <a:ext cx="4937608" cy="2583390"/>
+          </a:xfrm>
+          <a:prstGeom prst="rect">
+            <a:avLst/>
+          </a:prstGeom>
+        </p:spPr>
+      </p:pic>
+    </p:spTree>
+    <p:extLst>
+      <p:ext uri="{BB962C8B-B14F-4D97-AF65-F5344CB8AC3E}">
+        <p14:creationId xmlns:p14="http://schemas.microsoft.com/office/powerpoint/2010/main" val="3385005134"/>
+      </p:ext>
+    </p:extLst>
+  </p:cSld>
+  <p:clrMapOvr>
+    <a:masterClrMapping/>
+  </p:clrMapOvr>
+</p:sld>
+</file>
+
+<file path=ppt/slides/slide23.xml><?xml version="1.0" encoding="utf-8"?>
+<p:sld xmlns:a="http://schemas.openxmlformats.org/drawingml/2006/main" xmlns:r="http://schemas.openxmlformats.org/officeDocument/2006/relationships" xmlns:p="http://schemas.openxmlformats.org/presentationml/2006/main">
+  <p:cSld>
+    <p:bg>
+      <p:bgPr>
+        <a:blipFill dpi="0" rotWithShape="1">
+          <a:blip r:embed="rId2">
+            <a:alphaModFix amt="99000"/>
+            <a:lum/>
+          </a:blip>
+          <a:srcRect/>
+          <a:stretch>
+            <a:fillRect t="89000" r="85000" b="-1000"/>
+          </a:stretch>
+        </a:blipFill>
+        <a:effectLst/>
+      </p:bgPr>
+    </p:bg>
+    <p:spTree>
+      <p:nvGrpSpPr>
+        <p:cNvPr id="1" name=""/>
+        <p:cNvGrpSpPr/>
+        <p:nvPr/>
+      </p:nvGrpSpPr>
+      <p:grpSpPr>
+        <a:xfrm>
+          <a:off x="0" y="0"/>
+          <a:ext cx="0" cy="0"/>
+          <a:chOff x="0" y="0"/>
+          <a:chExt cx="0" cy="0"/>
+        </a:xfrm>
+      </p:grpSpPr>
+      <p:sp>
+        <p:nvSpPr>
+          <p:cNvPr id="2" name="Title 1">
+            <a:extLst>
+              <a:ext uri="{FF2B5EF4-FFF2-40B4-BE49-F238E27FC236}">
+                <a16:creationId xmlns:a16="http://schemas.microsoft.com/office/drawing/2014/main" id="{6A3DCE86-C2BA-4713-9E7A-73589E8D6CCF}"/>
+              </a:ext>
+            </a:extLst>
+          </p:cNvPr>
+          <p:cNvSpPr>
+            <a:spLocks noGrp="1"/>
+          </p:cNvSpPr>
+          <p:nvPr>
+            <p:ph type="ctrTitle"/>
+          </p:nvPr>
+        </p:nvSpPr>
+        <p:spPr>
+          <a:xfrm>
+            <a:off x="1524000" y="189302"/>
+            <a:ext cx="9144000" cy="855727"/>
+          </a:xfrm>
+        </p:spPr>
+        <p:txBody>
+          <a:bodyPr>
+            <a:noAutofit/>
+          </a:bodyPr>
+          <a:lstStyle/>
+          <a:p>
+            <a:r>
+              <a:rPr lang="en-GB" sz="4000" b="1" dirty="0">
+                <a:latin typeface="Calibri Light (Headings)"/>
+              </a:rPr>
+              <a:t>Tuning Queries </a:t>
+            </a:r>
+            <a:endParaRPr lang="en-PH" sz="4000" b="1" dirty="0">
+              <a:latin typeface="Calibri Light (Headings)"/>
+            </a:endParaRPr>
+          </a:p>
+        </p:txBody>
+      </p:sp>
+      <p:sp>
+        <p:nvSpPr>
+          <p:cNvPr id="4" name="Footer Placeholder 3">
+            <a:extLst>
+              <a:ext uri="{FF2B5EF4-FFF2-40B4-BE49-F238E27FC236}">
+                <a16:creationId xmlns:a16="http://schemas.microsoft.com/office/drawing/2014/main" id="{638E7DE1-45EE-476A-A474-0F3C264AEDA3}"/>
+              </a:ext>
+            </a:extLst>
+          </p:cNvPr>
+          <p:cNvSpPr>
+            <a:spLocks noGrp="1"/>
+          </p:cNvSpPr>
+          <p:nvPr>
+            <p:ph type="ftr" sz="quarter" idx="11"/>
+          </p:nvPr>
+        </p:nvSpPr>
+        <p:spPr>
+          <a:xfrm>
+            <a:off x="0" y="6139541"/>
+            <a:ext cx="12192000" cy="718459"/>
+          </a:xfrm>
+          <a:ln w="28575">
+            <a:solidFill>
+              <a:schemeClr val="accent5">
+                <a:lumMod val="50000"/>
+              </a:schemeClr>
+            </a:solidFill>
+          </a:ln>
+        </p:spPr>
+        <p:txBody>
+          <a:bodyPr/>
+          <a:lstStyle/>
+          <a:p>
+            <a:pPr algn="r"/>
+            <a:r>
+              <a:rPr lang="en-PH" b="1" dirty="0">
+                <a:solidFill>
+                  <a:schemeClr val="tx1"/>
+                </a:solidFill>
+                <a:latin typeface="Calibri (Body)"/>
+              </a:rPr>
+              <a:t>CTADVDBL</a:t>
+            </a:r>
+            <a:r>
+              <a:rPr lang="en-PH" dirty="0">
+                <a:latin typeface="Calibri (Body)"/>
+              </a:rPr>
+              <a:t>	</a:t>
+            </a:r>
+          </a:p>
+        </p:txBody>
+      </p:sp>
+      <p:sp>
+        <p:nvSpPr>
+          <p:cNvPr id="10" name="Subtitle 5">
+            <a:extLst>
+              <a:ext uri="{FF2B5EF4-FFF2-40B4-BE49-F238E27FC236}">
+                <a16:creationId xmlns:a16="http://schemas.microsoft.com/office/drawing/2014/main" id="{1393928C-04CA-D15A-DA77-BC6B3DCD04CE}"/>
+              </a:ext>
+            </a:extLst>
+          </p:cNvPr>
+          <p:cNvSpPr>
+            <a:spLocks noGrp="1"/>
+          </p:cNvSpPr>
+          <p:nvPr>
+            <p:ph type="subTitle" idx="1"/>
+          </p:nvPr>
+        </p:nvSpPr>
+        <p:spPr>
+          <a:xfrm>
+            <a:off x="347842" y="3904380"/>
+            <a:ext cx="11496315" cy="1795749"/>
+          </a:xfrm>
+        </p:spPr>
+        <p:txBody>
+          <a:bodyPr>
+            <a:noAutofit/>
+          </a:bodyPr>
+          <a:lstStyle/>
+          <a:p>
+            <a:pPr algn="l"/>
+            <a:r>
+              <a:rPr lang="en-US" sz="2100" dirty="0"/>
+              <a:t>Most databases support an </a:t>
+            </a:r>
+            <a:r>
+              <a:rPr lang="en-US" sz="2100" b="1" dirty="0">
+                <a:solidFill>
+                  <a:srgbClr val="00B050"/>
+                </a:solidFill>
+              </a:rPr>
+              <a:t>explain</a:t>
+            </a:r>
+            <a:r>
+              <a:rPr lang="en-US" sz="2100" dirty="0"/>
+              <a:t> command, which allows you to see </a:t>
+            </a:r>
+            <a:r>
+              <a:rPr lang="en-US" sz="2100" b="1" dirty="0">
+                <a:solidFill>
+                  <a:srgbClr val="00B0F0"/>
+                </a:solidFill>
+              </a:rPr>
+              <a:t>what plan is being used for a query</a:t>
+            </a:r>
+            <a:r>
+              <a:rPr lang="en-US" sz="2100" dirty="0"/>
+              <a:t>.</a:t>
+            </a:r>
+          </a:p>
+          <a:p>
+            <a:pPr algn="l"/>
+            <a:endParaRPr lang="en-US" sz="2100" dirty="0"/>
+          </a:p>
+          <a:p>
+            <a:pPr algn="l"/>
+            <a:r>
+              <a:rPr lang="en-US" sz="2100" dirty="0"/>
+              <a:t>The explain command also shows the </a:t>
+            </a:r>
+            <a:r>
+              <a:rPr lang="en-US" sz="2100" b="1" dirty="0">
+                <a:solidFill>
+                  <a:srgbClr val="00B0F0"/>
+                </a:solidFill>
+              </a:rPr>
+              <a:t>statistics that the optimizer used </a:t>
+            </a:r>
+            <a:r>
+              <a:rPr lang="en-US" sz="2100" dirty="0"/>
+              <a:t>or computed for different</a:t>
+            </a:r>
+            <a:br>
+              <a:rPr lang="en-US" sz="2100" dirty="0"/>
+            </a:br>
+            <a:r>
+              <a:rPr lang="en-US" sz="2100" dirty="0"/>
+              <a:t>parts of the query plan, </a:t>
+            </a:r>
+            <a:r>
+              <a:rPr lang="en-US" sz="2100" b="1" dirty="0">
+                <a:solidFill>
+                  <a:srgbClr val="00B0F0"/>
+                </a:solidFill>
+              </a:rPr>
+              <a:t>and estimates of the costs</a:t>
+            </a:r>
+            <a:r>
+              <a:rPr lang="en-US" sz="2100" dirty="0"/>
+              <a:t> of each part of a query plan.</a:t>
+            </a:r>
+          </a:p>
+        </p:txBody>
+      </p:sp>
+      <p:pic>
+        <p:nvPicPr>
+          <p:cNvPr id="8" name="Picture 7" descr="A black rectangular with white text and green dots&#10;&#10;Description automatically generated">
+            <a:extLst>
+              <a:ext uri="{FF2B5EF4-FFF2-40B4-BE49-F238E27FC236}">
+                <a16:creationId xmlns:a16="http://schemas.microsoft.com/office/drawing/2014/main" id="{AB3B7AB3-043A-464E-757E-DA5B9290738A}"/>
+              </a:ext>
+            </a:extLst>
+          </p:cNvPr>
+          <p:cNvPicPr>
+            <a:picLocks noChangeAspect="1"/>
+          </p:cNvPicPr>
+          <p:nvPr/>
+        </p:nvPicPr>
+        <p:blipFill>
+          <a:blip r:embed="rId3">
+            <a:extLst>
+              <a:ext uri="{28A0092B-C50C-407E-A947-70E740481C1C}">
+                <a14:useLocalDpi xmlns:a14="http://schemas.microsoft.com/office/drawing/2010/main" val="0"/>
+              </a:ext>
+            </a:extLst>
+          </a:blip>
+          <a:stretch>
+            <a:fillRect/>
+          </a:stretch>
+        </p:blipFill>
+        <p:spPr>
+          <a:xfrm>
+            <a:off x="1687772" y="1230487"/>
+            <a:ext cx="5133630" cy="2397431"/>
+          </a:xfrm>
+          <a:prstGeom prst="rect">
+            <a:avLst/>
+          </a:prstGeom>
+        </p:spPr>
+      </p:pic>
+      <p:pic>
+        <p:nvPicPr>
+          <p:cNvPr id="9" name="Picture 8">
+            <a:extLst>
+              <a:ext uri="{FF2B5EF4-FFF2-40B4-BE49-F238E27FC236}">
+                <a16:creationId xmlns:a16="http://schemas.microsoft.com/office/drawing/2014/main" id="{296F2244-9382-0EAD-5865-0813EFEBEB92}"/>
+              </a:ext>
+            </a:extLst>
+          </p:cNvPr>
+          <p:cNvPicPr>
+            <a:picLocks noChangeAspect="1"/>
+          </p:cNvPicPr>
+          <p:nvPr/>
+        </p:nvPicPr>
+        <p:blipFill>
+          <a:blip r:embed="rId4"/>
+          <a:stretch>
+            <a:fillRect/>
+          </a:stretch>
+        </p:blipFill>
+        <p:spPr>
+          <a:xfrm>
+            <a:off x="8169329" y="1230487"/>
+            <a:ext cx="1781175" cy="1571625"/>
+          </a:xfrm>
+          <a:prstGeom prst="rect">
+            <a:avLst/>
+          </a:prstGeom>
+        </p:spPr>
+      </p:pic>
+    </p:spTree>
+    <p:extLst>
+      <p:ext uri="{BB962C8B-B14F-4D97-AF65-F5344CB8AC3E}">
+        <p14:creationId xmlns:p14="http://schemas.microsoft.com/office/powerpoint/2010/main" val="750935228"/>
+      </p:ext>
+    </p:extLst>
+  </p:cSld>
+  <p:clrMapOvr>
+    <a:masterClrMapping/>
+  </p:clrMapOvr>
+</p:sld>
+</file>
+
+<file path=ppt/slides/slide24.xml><?xml version="1.0" encoding="utf-8"?>
+<p:sld xmlns:a="http://schemas.openxmlformats.org/drawingml/2006/main" xmlns:r="http://schemas.openxmlformats.org/officeDocument/2006/relationships" xmlns:p="http://schemas.openxmlformats.org/presentationml/2006/main">
+  <p:cSld>
+    <p:bg>
+      <p:bgPr>
+        <a:blipFill dpi="0" rotWithShape="1">
+          <a:blip r:embed="rId2">
+            <a:alphaModFix amt="99000"/>
+            <a:lum/>
+          </a:blip>
+          <a:srcRect/>
+          <a:stretch>
+            <a:fillRect t="89000" r="85000" b="-1000"/>
+          </a:stretch>
+        </a:blipFill>
+        <a:effectLst/>
+      </p:bgPr>
+    </p:bg>
+    <p:spTree>
+      <p:nvGrpSpPr>
+        <p:cNvPr id="1" name=""/>
+        <p:cNvGrpSpPr/>
+        <p:nvPr/>
+      </p:nvGrpSpPr>
+      <p:grpSpPr>
+        <a:xfrm>
+          <a:off x="0" y="0"/>
+          <a:ext cx="0" cy="0"/>
+          <a:chOff x="0" y="0"/>
+          <a:chExt cx="0" cy="0"/>
+        </a:xfrm>
+      </p:grpSpPr>
+      <p:sp>
+        <p:nvSpPr>
+          <p:cNvPr id="2" name="Title 1">
+            <a:extLst>
+              <a:ext uri="{FF2B5EF4-FFF2-40B4-BE49-F238E27FC236}">
+                <a16:creationId xmlns:a16="http://schemas.microsoft.com/office/drawing/2014/main" id="{6A3DCE86-C2BA-4713-9E7A-73589E8D6CCF}"/>
+              </a:ext>
+            </a:extLst>
+          </p:cNvPr>
+          <p:cNvSpPr>
+            <a:spLocks noGrp="1"/>
+          </p:cNvSpPr>
+          <p:nvPr>
+            <p:ph type="ctrTitle"/>
+          </p:nvPr>
+        </p:nvSpPr>
+        <p:spPr>
+          <a:xfrm>
+            <a:off x="1524000" y="189302"/>
+            <a:ext cx="9144000" cy="855727"/>
+          </a:xfrm>
+        </p:spPr>
+        <p:txBody>
+          <a:bodyPr>
+            <a:noAutofit/>
+          </a:bodyPr>
+          <a:lstStyle/>
+          <a:p>
+            <a:r>
+              <a:rPr lang="en-GB" sz="4000" b="1" dirty="0">
+                <a:latin typeface="Calibri Light (Headings)"/>
+              </a:rPr>
+              <a:t>Tuning Queries </a:t>
+            </a:r>
+            <a:endParaRPr lang="en-PH" sz="4000" b="1" dirty="0">
+              <a:latin typeface="Calibri Light (Headings)"/>
+            </a:endParaRPr>
+          </a:p>
+        </p:txBody>
+      </p:sp>
+      <p:sp>
+        <p:nvSpPr>
+          <p:cNvPr id="4" name="Footer Placeholder 3">
+            <a:extLst>
+              <a:ext uri="{FF2B5EF4-FFF2-40B4-BE49-F238E27FC236}">
+                <a16:creationId xmlns:a16="http://schemas.microsoft.com/office/drawing/2014/main" id="{638E7DE1-45EE-476A-A474-0F3C264AEDA3}"/>
+              </a:ext>
+            </a:extLst>
+          </p:cNvPr>
+          <p:cNvSpPr>
+            <a:spLocks noGrp="1"/>
+          </p:cNvSpPr>
+          <p:nvPr>
+            <p:ph type="ftr" sz="quarter" idx="11"/>
+          </p:nvPr>
+        </p:nvSpPr>
+        <p:spPr>
+          <a:xfrm>
+            <a:off x="0" y="6139541"/>
+            <a:ext cx="12192000" cy="718459"/>
+          </a:xfrm>
+          <a:ln w="28575">
+            <a:solidFill>
+              <a:schemeClr val="accent5">
+                <a:lumMod val="50000"/>
+              </a:schemeClr>
+            </a:solidFill>
+          </a:ln>
+        </p:spPr>
+        <p:txBody>
+          <a:bodyPr/>
+          <a:lstStyle/>
+          <a:p>
+            <a:pPr algn="r"/>
+            <a:r>
+              <a:rPr lang="en-PH" b="1" dirty="0">
+                <a:solidFill>
+                  <a:schemeClr val="tx1"/>
+                </a:solidFill>
+                <a:latin typeface="Calibri (Body)"/>
+              </a:rPr>
+              <a:t>CTADVDBL</a:t>
+            </a:r>
+            <a:r>
+              <a:rPr lang="en-PH" dirty="0">
+                <a:latin typeface="Calibri (Body)"/>
+              </a:rPr>
+              <a:t>	</a:t>
+            </a:r>
+          </a:p>
+        </p:txBody>
+      </p:sp>
+      <p:sp>
+        <p:nvSpPr>
+          <p:cNvPr id="10" name="Subtitle 5">
+            <a:extLst>
+              <a:ext uri="{FF2B5EF4-FFF2-40B4-BE49-F238E27FC236}">
+                <a16:creationId xmlns:a16="http://schemas.microsoft.com/office/drawing/2014/main" id="{1393928C-04CA-D15A-DA77-BC6B3DCD04CE}"/>
+              </a:ext>
+            </a:extLst>
+          </p:cNvPr>
+          <p:cNvSpPr>
+            <a:spLocks noGrp="1"/>
+          </p:cNvSpPr>
+          <p:nvPr>
+            <p:ph type="subTitle" idx="1"/>
+          </p:nvPr>
+        </p:nvSpPr>
+        <p:spPr>
+          <a:xfrm>
+            <a:off x="347842" y="1247222"/>
+            <a:ext cx="5624136" cy="4776562"/>
+          </a:xfrm>
+        </p:spPr>
+        <p:txBody>
+          <a:bodyPr>
+            <a:noAutofit/>
+          </a:bodyPr>
+          <a:lstStyle/>
+          <a:p>
+            <a:pPr algn="l"/>
+            <a:r>
+              <a:rPr lang="en-US" sz="2100" dirty="0"/>
+              <a:t>Incorrect statistics are often the reason for the choice of a bad plan </a:t>
+            </a:r>
+          </a:p>
+          <a:p>
+            <a:pPr algn="l"/>
+            <a:endParaRPr lang="en-US" sz="2100" dirty="0"/>
+          </a:p>
+          <a:p>
+            <a:pPr algn="l"/>
+            <a:r>
+              <a:rPr lang="en-US" sz="2100" dirty="0"/>
+              <a:t>Ideally, database statistics should be updated whenever relations are updated.</a:t>
+            </a:r>
+          </a:p>
+          <a:p>
+            <a:pPr algn="l"/>
+            <a:r>
+              <a:rPr lang="en-US" sz="2100" dirty="0"/>
+              <a:t>Databases either periodically update statistics or leave it to the system administrator to issue a command to update statistics.</a:t>
+            </a:r>
+          </a:p>
+          <a:p>
+            <a:pPr algn="l"/>
+            <a:endParaRPr lang="en-US" sz="2100" dirty="0"/>
+          </a:p>
+          <a:p>
+            <a:pPr algn="l"/>
+            <a:r>
+              <a:rPr lang="en-US" sz="2100" dirty="0"/>
+              <a:t>Some databases, such as MySQL support</a:t>
+            </a:r>
+            <a:br>
+              <a:rPr lang="en-US" sz="2100" dirty="0"/>
+            </a:br>
+            <a:r>
+              <a:rPr lang="en-US" sz="2100" dirty="0"/>
+              <a:t>a command called </a:t>
+            </a:r>
+            <a:r>
+              <a:rPr lang="en-US" sz="2100" b="1" dirty="0">
+                <a:solidFill>
+                  <a:srgbClr val="00B050"/>
+                </a:solidFill>
+              </a:rPr>
+              <a:t>analyze</a:t>
+            </a:r>
+            <a:r>
+              <a:rPr lang="en-US" sz="2100" dirty="0"/>
+              <a:t>, which can be used to recompute statistics. </a:t>
+            </a:r>
+            <a:br>
+              <a:rPr lang="en-US" sz="2100" dirty="0"/>
+            </a:br>
+            <a:endParaRPr lang="en-US" sz="2100" dirty="0"/>
+          </a:p>
+        </p:txBody>
+      </p:sp>
+      <p:pic>
+        <p:nvPicPr>
+          <p:cNvPr id="5" name="Picture 4" descr="A black rectangular sign with yellow green and blue circles&#10;&#10;Description automatically generated">
+            <a:extLst>
+              <a:ext uri="{FF2B5EF4-FFF2-40B4-BE49-F238E27FC236}">
+                <a16:creationId xmlns:a16="http://schemas.microsoft.com/office/drawing/2014/main" id="{9F1AB19D-2DB3-E3DF-16B6-0E38C4420464}"/>
+              </a:ext>
+            </a:extLst>
+          </p:cNvPr>
+          <p:cNvPicPr>
+            <a:picLocks noChangeAspect="1"/>
+          </p:cNvPicPr>
+          <p:nvPr/>
+        </p:nvPicPr>
+        <p:blipFill>
+          <a:blip r:embed="rId3">
+            <a:extLst>
+              <a:ext uri="{28A0092B-C50C-407E-A947-70E740481C1C}">
+                <a14:useLocalDpi xmlns:a14="http://schemas.microsoft.com/office/drawing/2010/main" val="0"/>
+              </a:ext>
+            </a:extLst>
+          </a:blip>
+          <a:stretch>
+            <a:fillRect/>
+          </a:stretch>
+        </p:blipFill>
+        <p:spPr>
+          <a:xfrm>
+            <a:off x="6426111" y="1247222"/>
+            <a:ext cx="4939688" cy="2454965"/>
+          </a:xfrm>
+          <a:prstGeom prst="rect">
+            <a:avLst/>
+          </a:prstGeom>
+        </p:spPr>
+      </p:pic>
+    </p:spTree>
+    <p:extLst>
+      <p:ext uri="{BB962C8B-B14F-4D97-AF65-F5344CB8AC3E}">
+        <p14:creationId xmlns:p14="http://schemas.microsoft.com/office/powerpoint/2010/main" val="1171459038"/>
+      </p:ext>
+    </p:extLst>
+  </p:cSld>
+  <p:clrMapOvr>
+    <a:masterClrMapping/>
+  </p:clrMapOvr>
+</p:sld>
+</file>
+
+<file path=ppt/slides/slide25.xml><?xml version="1.0" encoding="utf-8"?>
+<p:sld xmlns:a="http://schemas.openxmlformats.org/drawingml/2006/main" xmlns:r="http://schemas.openxmlformats.org/officeDocument/2006/relationships" xmlns:p="http://schemas.openxmlformats.org/presentationml/2006/main">
+  <p:cSld>
+    <p:bg>
+      <p:bgPr>
+        <a:blipFill dpi="0" rotWithShape="1">
+          <a:blip r:embed="rId2">
+            <a:alphaModFix amt="99000"/>
+            <a:lum/>
+          </a:blip>
+          <a:srcRect/>
+          <a:stretch>
+            <a:fillRect t="89000" r="85000" b="-1000"/>
+          </a:stretch>
+        </a:blipFill>
+        <a:effectLst/>
+      </p:bgPr>
+    </p:bg>
+    <p:spTree>
+      <p:nvGrpSpPr>
+        <p:cNvPr id="1" name=""/>
+        <p:cNvGrpSpPr/>
+        <p:nvPr/>
+      </p:nvGrpSpPr>
+      <p:grpSpPr>
+        <a:xfrm>
+          <a:off x="0" y="0"/>
+          <a:ext cx="0" cy="0"/>
+          <a:chOff x="0" y="0"/>
+          <a:chExt cx="0" cy="0"/>
+        </a:xfrm>
+      </p:grpSpPr>
+      <p:sp>
+        <p:nvSpPr>
+          <p:cNvPr id="2" name="Title 1">
+            <a:extLst>
+              <a:ext uri="{FF2B5EF4-FFF2-40B4-BE49-F238E27FC236}">
+                <a16:creationId xmlns:a16="http://schemas.microsoft.com/office/drawing/2014/main" id="{6A3DCE86-C2BA-4713-9E7A-73589E8D6CCF}"/>
+              </a:ext>
+            </a:extLst>
+          </p:cNvPr>
+          <p:cNvSpPr>
+            <a:spLocks noGrp="1"/>
+          </p:cNvSpPr>
+          <p:nvPr>
+            <p:ph type="ctrTitle"/>
+          </p:nvPr>
+        </p:nvSpPr>
+        <p:spPr>
+          <a:xfrm>
+            <a:off x="1524000" y="189302"/>
+            <a:ext cx="9144000" cy="855727"/>
+          </a:xfrm>
+        </p:spPr>
+        <p:txBody>
+          <a:bodyPr>
+            <a:noAutofit/>
+          </a:bodyPr>
+          <a:lstStyle/>
+          <a:p>
+            <a:r>
+              <a:rPr lang="en-GB" sz="4000" b="1" dirty="0">
+                <a:latin typeface="Calibri Light (Headings)"/>
+              </a:rPr>
+              <a:t>Improving SELECT Queries</a:t>
+            </a:r>
+            <a:endParaRPr lang="en-PH" sz="4000" b="1" dirty="0">
+              <a:latin typeface="Calibri Light (Headings)"/>
+            </a:endParaRPr>
+          </a:p>
+        </p:txBody>
+      </p:sp>
+      <p:sp>
+        <p:nvSpPr>
+          <p:cNvPr id="4" name="Footer Placeholder 3">
+            <a:extLst>
+              <a:ext uri="{FF2B5EF4-FFF2-40B4-BE49-F238E27FC236}">
+                <a16:creationId xmlns:a16="http://schemas.microsoft.com/office/drawing/2014/main" id="{638E7DE1-45EE-476A-A474-0F3C264AEDA3}"/>
+              </a:ext>
+            </a:extLst>
+          </p:cNvPr>
+          <p:cNvSpPr>
+            <a:spLocks noGrp="1"/>
+          </p:cNvSpPr>
+          <p:nvPr>
+            <p:ph type="ftr" sz="quarter" idx="11"/>
+          </p:nvPr>
+        </p:nvSpPr>
+        <p:spPr>
+          <a:xfrm>
+            <a:off x="0" y="6139541"/>
+            <a:ext cx="12192000" cy="718459"/>
+          </a:xfrm>
+          <a:ln w="28575">
+            <a:solidFill>
+              <a:schemeClr val="accent5">
+                <a:lumMod val="50000"/>
+              </a:schemeClr>
+            </a:solidFill>
+          </a:ln>
+        </p:spPr>
+        <p:txBody>
+          <a:bodyPr/>
+          <a:lstStyle/>
+          <a:p>
+            <a:pPr algn="r"/>
+            <a:r>
+              <a:rPr lang="en-PH" b="1" dirty="0">
+                <a:solidFill>
+                  <a:schemeClr val="tx1"/>
+                </a:solidFill>
+                <a:latin typeface="Calibri (Body)"/>
+              </a:rPr>
+              <a:t>CTADVDBL</a:t>
+            </a:r>
+            <a:r>
+              <a:rPr lang="en-PH" dirty="0">
+                <a:latin typeface="Calibri (Body)"/>
+              </a:rPr>
+              <a:t>	</a:t>
+            </a:r>
+          </a:p>
+        </p:txBody>
+      </p:sp>
+      <p:pic>
+        <p:nvPicPr>
+          <p:cNvPr id="8" name="Picture 7" descr="A black rectangular with colorful text&#10;&#10;Description automatically generated with medium confidence">
+            <a:extLst>
+              <a:ext uri="{FF2B5EF4-FFF2-40B4-BE49-F238E27FC236}">
+                <a16:creationId xmlns:a16="http://schemas.microsoft.com/office/drawing/2014/main" id="{1ADC748A-CD5E-6661-1282-EC4710A741F6}"/>
+              </a:ext>
+            </a:extLst>
+          </p:cNvPr>
+          <p:cNvPicPr>
+            <a:picLocks noChangeAspect="1"/>
+          </p:cNvPicPr>
+          <p:nvPr/>
+        </p:nvPicPr>
+        <p:blipFill>
+          <a:blip r:embed="rId3">
+            <a:extLst>
+              <a:ext uri="{28A0092B-C50C-407E-A947-70E740481C1C}">
+                <a14:useLocalDpi xmlns:a14="http://schemas.microsoft.com/office/drawing/2010/main" val="0"/>
+              </a:ext>
+            </a:extLst>
+          </a:blip>
+          <a:stretch>
+            <a:fillRect/>
+          </a:stretch>
+        </p:blipFill>
+        <p:spPr>
+          <a:xfrm>
+            <a:off x="6417615" y="1307815"/>
+            <a:ext cx="3072061" cy="2121185"/>
+          </a:xfrm>
+          <a:prstGeom prst="rect">
+            <a:avLst/>
+          </a:prstGeom>
+        </p:spPr>
+      </p:pic>
+      <p:sp>
+        <p:nvSpPr>
+          <p:cNvPr id="13" name="TextBox 12">
+            <a:extLst>
+              <a:ext uri="{FF2B5EF4-FFF2-40B4-BE49-F238E27FC236}">
+                <a16:creationId xmlns:a16="http://schemas.microsoft.com/office/drawing/2014/main" id="{98F33126-32D2-E007-E33E-68AEFC100256}"/>
+              </a:ext>
+            </a:extLst>
+          </p:cNvPr>
+          <p:cNvSpPr txBox="1"/>
+          <p:nvPr/>
+        </p:nvSpPr>
+        <p:spPr>
+          <a:xfrm>
+            <a:off x="355776" y="1307815"/>
+            <a:ext cx="4903601" cy="3970318"/>
+          </a:xfrm>
+          <a:prstGeom prst="rect">
+            <a:avLst/>
+          </a:prstGeom>
+          <a:noFill/>
+        </p:spPr>
+        <p:txBody>
+          <a:bodyPr wrap="square">
+            <a:spAutoFit/>
+          </a:bodyPr>
+          <a:lstStyle/>
+          <a:p>
+            <a:r>
+              <a:rPr lang="en-US" sz="1800" b="0" i="0" dirty="0">
+                <a:solidFill>
+                  <a:srgbClr val="242021"/>
+                </a:solidFill>
+                <a:effectLst/>
+                <a:latin typeface="NimbusRomDOT-Reg"/>
+              </a:rPr>
+              <a:t>Consider a program that </a:t>
+            </a:r>
+            <a:r>
+              <a:rPr lang="en-US" sz="1800" b="1" i="0" dirty="0">
+                <a:solidFill>
+                  <a:srgbClr val="0070C0"/>
+                </a:solidFill>
+                <a:effectLst/>
+                <a:latin typeface="NimbusRomDOT-Reg"/>
+              </a:rPr>
+              <a:t>loops through each department</a:t>
+            </a:r>
+            <a:r>
+              <a:rPr lang="en-US" sz="1800" b="0" i="0" dirty="0">
+                <a:solidFill>
+                  <a:srgbClr val="242021"/>
+                </a:solidFill>
+                <a:effectLst/>
+                <a:latin typeface="NimbusRomDOT-Reg"/>
+              </a:rPr>
+              <a:t>, invoking an embedded query to find the total salary of all instructors in the department:</a:t>
+            </a:r>
+            <a:r>
+              <a:rPr lang="en-US" dirty="0"/>
+              <a:t> </a:t>
+            </a:r>
+          </a:p>
+          <a:p>
+            <a:endParaRPr lang="en-US" dirty="0"/>
+          </a:p>
+          <a:p>
+            <a:r>
+              <a:rPr lang="en-US" sz="1800" b="0" i="0" dirty="0">
+                <a:solidFill>
+                  <a:srgbClr val="242021"/>
+                </a:solidFill>
+                <a:effectLst/>
+                <a:latin typeface="NimbusRomDOT-Reg"/>
+              </a:rPr>
+              <a:t>If the </a:t>
+            </a:r>
+            <a:r>
+              <a:rPr lang="en-US" sz="1800" b="1" i="1" dirty="0">
+                <a:solidFill>
+                  <a:srgbClr val="242021"/>
+                </a:solidFill>
+                <a:effectLst/>
+                <a:latin typeface="NimbusRomDOT-RegIta"/>
+              </a:rPr>
+              <a:t>instructor</a:t>
+            </a:r>
+            <a:r>
+              <a:rPr lang="en-US" sz="1800" b="0" i="1" dirty="0">
+                <a:solidFill>
+                  <a:srgbClr val="242021"/>
+                </a:solidFill>
+                <a:effectLst/>
+                <a:latin typeface="NimbusRomDOT-RegIta"/>
+              </a:rPr>
+              <a:t> </a:t>
+            </a:r>
+            <a:r>
+              <a:rPr lang="en-US" sz="1800" b="0" i="0" dirty="0">
+                <a:solidFill>
+                  <a:srgbClr val="242021"/>
+                </a:solidFill>
+                <a:effectLst/>
+                <a:latin typeface="NimbusRomDOT-Reg"/>
+              </a:rPr>
+              <a:t>relation does not have an index on </a:t>
+            </a:r>
+            <a:r>
+              <a:rPr lang="en-US" sz="1800" b="1" i="1" dirty="0">
+                <a:solidFill>
+                  <a:srgbClr val="242021"/>
+                </a:solidFill>
+                <a:effectLst/>
+                <a:latin typeface="NimbusRomDOT-RegIta"/>
+              </a:rPr>
+              <a:t>dept _name</a:t>
+            </a:r>
+            <a:r>
+              <a:rPr lang="en-US" sz="1800" b="0" i="0" dirty="0">
+                <a:solidFill>
+                  <a:srgbClr val="242021"/>
+                </a:solidFill>
+                <a:effectLst/>
+                <a:latin typeface="NimbusRomDOT-Reg"/>
+              </a:rPr>
+              <a:t>, each query will </a:t>
+            </a:r>
+            <a:r>
+              <a:rPr lang="en-US" sz="1800" b="1" i="0" dirty="0">
+                <a:solidFill>
+                  <a:srgbClr val="FF0000"/>
+                </a:solidFill>
+                <a:effectLst/>
+                <a:latin typeface="NimbusRomDOT-Reg"/>
+              </a:rPr>
+              <a:t>result in a scan of the relation.</a:t>
+            </a:r>
+            <a:r>
+              <a:rPr lang="en-US" sz="1800" b="0" i="0" dirty="0">
+                <a:solidFill>
+                  <a:srgbClr val="242021"/>
+                </a:solidFill>
+                <a:effectLst/>
+                <a:latin typeface="NimbusRomDOT-Reg"/>
+              </a:rPr>
+              <a:t> </a:t>
+            </a:r>
+          </a:p>
+          <a:p>
+            <a:endParaRPr lang="en-US" dirty="0">
+              <a:solidFill>
+                <a:srgbClr val="242021"/>
+              </a:solidFill>
+              <a:latin typeface="NimbusRomDOT-Reg"/>
+            </a:endParaRPr>
+          </a:p>
+          <a:p>
+            <a:r>
+              <a:rPr lang="en-US" sz="1800" b="0" i="0" dirty="0">
+                <a:solidFill>
+                  <a:srgbClr val="242021"/>
+                </a:solidFill>
+                <a:effectLst/>
+                <a:latin typeface="NimbusRomDOT-Reg"/>
+              </a:rPr>
+              <a:t>Even if there is such an index, a random I/O</a:t>
+            </a:r>
+            <a:br>
+              <a:rPr lang="en-US" sz="1800" b="0" i="0" dirty="0">
+                <a:solidFill>
+                  <a:srgbClr val="242021"/>
+                </a:solidFill>
+                <a:effectLst/>
+                <a:latin typeface="NimbusRomDOT-Reg"/>
+              </a:rPr>
+            </a:br>
+            <a:r>
+              <a:rPr lang="en-US" sz="1800" b="0" i="0" dirty="0">
+                <a:solidFill>
+                  <a:srgbClr val="242021"/>
+                </a:solidFill>
+                <a:effectLst/>
+                <a:latin typeface="NimbusRomDOT-Reg"/>
+              </a:rPr>
+              <a:t>operation will be required for each </a:t>
+            </a:r>
+            <a:r>
+              <a:rPr lang="en-US" sz="1800" b="1" i="1" dirty="0" err="1">
+                <a:solidFill>
+                  <a:srgbClr val="242021"/>
+                </a:solidFill>
+                <a:effectLst/>
+                <a:latin typeface="NimbusRomDOT-RegIta"/>
+              </a:rPr>
+              <a:t>dept_name</a:t>
+            </a:r>
+            <a:r>
+              <a:rPr lang="en-US" sz="1800" b="1" i="1" dirty="0">
+                <a:solidFill>
+                  <a:srgbClr val="242021"/>
+                </a:solidFill>
+                <a:effectLst/>
+                <a:latin typeface="NimbusRomDOT-RegIta"/>
+              </a:rPr>
+              <a:t> </a:t>
+            </a:r>
+            <a:r>
+              <a:rPr lang="en-US" sz="1800" b="0" i="0" dirty="0">
+                <a:solidFill>
+                  <a:srgbClr val="242021"/>
+                </a:solidFill>
+                <a:effectLst/>
+                <a:latin typeface="NimbusRomDOT-Reg"/>
+              </a:rPr>
+              <a:t>value</a:t>
+            </a:r>
+            <a:r>
+              <a:rPr lang="en-US" dirty="0"/>
+              <a:t> </a:t>
+            </a:r>
+            <a:br>
+              <a:rPr lang="en-US" dirty="0"/>
+            </a:br>
+            <a:br>
+              <a:rPr lang="en-US" dirty="0"/>
+            </a:br>
+            <a:endParaRPr lang="en-PH" dirty="0"/>
+          </a:p>
+        </p:txBody>
+      </p:sp>
+    </p:spTree>
+    <p:extLst>
+      <p:ext uri="{BB962C8B-B14F-4D97-AF65-F5344CB8AC3E}">
+        <p14:creationId xmlns:p14="http://schemas.microsoft.com/office/powerpoint/2010/main" val="394012631"/>
+      </p:ext>
+    </p:extLst>
+  </p:cSld>
+  <p:clrMapOvr>
+    <a:masterClrMapping/>
+  </p:clrMapOvr>
+</p:sld>
+</file>
+
+<file path=ppt/slides/slide26.xml><?xml version="1.0" encoding="utf-8"?>
+<p:sld xmlns:a="http://schemas.openxmlformats.org/drawingml/2006/main" xmlns:r="http://schemas.openxmlformats.org/officeDocument/2006/relationships" xmlns:p="http://schemas.openxmlformats.org/presentationml/2006/main">
+  <p:cSld>
+    <p:bg>
+      <p:bgPr>
+        <a:blipFill dpi="0" rotWithShape="1">
+          <a:blip r:embed="rId2">
+            <a:alphaModFix amt="99000"/>
+            <a:lum/>
+          </a:blip>
+          <a:srcRect/>
+          <a:stretch>
+            <a:fillRect t="89000" r="85000" b="-1000"/>
+          </a:stretch>
+        </a:blipFill>
+        <a:effectLst/>
+      </p:bgPr>
+    </p:bg>
+    <p:spTree>
+      <p:nvGrpSpPr>
+        <p:cNvPr id="1" name=""/>
+        <p:cNvGrpSpPr/>
+        <p:nvPr/>
+      </p:nvGrpSpPr>
+      <p:grpSpPr>
+        <a:xfrm>
+          <a:off x="0" y="0"/>
+          <a:ext cx="0" cy="0"/>
+          <a:chOff x="0" y="0"/>
+          <a:chExt cx="0" cy="0"/>
+        </a:xfrm>
+      </p:grpSpPr>
+      <p:sp>
+        <p:nvSpPr>
+          <p:cNvPr id="2" name="Title 1">
+            <a:extLst>
+              <a:ext uri="{FF2B5EF4-FFF2-40B4-BE49-F238E27FC236}">
+                <a16:creationId xmlns:a16="http://schemas.microsoft.com/office/drawing/2014/main" id="{6A3DCE86-C2BA-4713-9E7A-73589E8D6CCF}"/>
+              </a:ext>
+            </a:extLst>
+          </p:cNvPr>
+          <p:cNvSpPr>
+            <a:spLocks noGrp="1"/>
+          </p:cNvSpPr>
+          <p:nvPr>
+            <p:ph type="ctrTitle"/>
+          </p:nvPr>
+        </p:nvSpPr>
+        <p:spPr>
+          <a:xfrm>
+            <a:off x="1524000" y="189302"/>
+            <a:ext cx="9144000" cy="855727"/>
+          </a:xfrm>
+        </p:spPr>
+        <p:txBody>
+          <a:bodyPr>
+            <a:noAutofit/>
+          </a:bodyPr>
+          <a:lstStyle/>
+          <a:p>
+            <a:r>
+              <a:rPr lang="en-GB" sz="4000" b="1" dirty="0">
+                <a:latin typeface="Calibri Light (Headings)"/>
+              </a:rPr>
+              <a:t>Improving SELECT Queries</a:t>
+            </a:r>
+            <a:endParaRPr lang="en-PH" sz="4000" b="1" dirty="0">
+              <a:latin typeface="Calibri Light (Headings)"/>
+            </a:endParaRPr>
+          </a:p>
+        </p:txBody>
+      </p:sp>
+      <p:sp>
+        <p:nvSpPr>
+          <p:cNvPr id="4" name="Footer Placeholder 3">
+            <a:extLst>
+              <a:ext uri="{FF2B5EF4-FFF2-40B4-BE49-F238E27FC236}">
+                <a16:creationId xmlns:a16="http://schemas.microsoft.com/office/drawing/2014/main" id="{638E7DE1-45EE-476A-A474-0F3C264AEDA3}"/>
+              </a:ext>
+            </a:extLst>
+          </p:cNvPr>
+          <p:cNvSpPr>
+            <a:spLocks noGrp="1"/>
+          </p:cNvSpPr>
+          <p:nvPr>
+            <p:ph type="ftr" sz="quarter" idx="11"/>
+          </p:nvPr>
+        </p:nvSpPr>
+        <p:spPr>
+          <a:xfrm>
+            <a:off x="0" y="6139541"/>
+            <a:ext cx="12192000" cy="718459"/>
+          </a:xfrm>
+          <a:ln w="28575">
+            <a:solidFill>
+              <a:schemeClr val="accent5">
+                <a:lumMod val="50000"/>
+              </a:schemeClr>
+            </a:solidFill>
+          </a:ln>
+        </p:spPr>
+        <p:txBody>
+          <a:bodyPr/>
+          <a:lstStyle/>
+          <a:p>
+            <a:pPr algn="r"/>
+            <a:r>
+              <a:rPr lang="en-PH" b="1" dirty="0">
+                <a:solidFill>
+                  <a:schemeClr val="tx1"/>
+                </a:solidFill>
+                <a:latin typeface="Calibri (Body)"/>
+              </a:rPr>
+              <a:t>CTADVDBL</a:t>
+            </a:r>
+            <a:r>
+              <a:rPr lang="en-PH" dirty="0">
+                <a:latin typeface="Calibri (Body)"/>
+              </a:rPr>
+              <a:t>	</a:t>
+            </a:r>
+          </a:p>
+        </p:txBody>
+      </p:sp>
+      <p:sp>
+        <p:nvSpPr>
+          <p:cNvPr id="13" name="TextBox 12">
+            <a:extLst>
+              <a:ext uri="{FF2B5EF4-FFF2-40B4-BE49-F238E27FC236}">
+                <a16:creationId xmlns:a16="http://schemas.microsoft.com/office/drawing/2014/main" id="{98F33126-32D2-E007-E33E-68AEFC100256}"/>
+              </a:ext>
+            </a:extLst>
+          </p:cNvPr>
+          <p:cNvSpPr txBox="1"/>
+          <p:nvPr/>
+        </p:nvSpPr>
+        <p:spPr>
+          <a:xfrm>
+            <a:off x="355776" y="1307815"/>
+            <a:ext cx="4903601" cy="4247317"/>
+          </a:xfrm>
+          <a:prstGeom prst="rect">
+            <a:avLst/>
+          </a:prstGeom>
+          <a:noFill/>
+        </p:spPr>
+        <p:txBody>
+          <a:bodyPr wrap="square">
+            <a:spAutoFit/>
+          </a:bodyPr>
+          <a:lstStyle/>
+          <a:p>
+            <a:r>
+              <a:rPr lang="en-US" sz="1800" b="0" i="0" dirty="0">
+                <a:solidFill>
+                  <a:srgbClr val="242021"/>
+                </a:solidFill>
+                <a:effectLst/>
+                <a:latin typeface="NimbusRomDOT-Reg"/>
+              </a:rPr>
+              <a:t>Instead, we can use a </a:t>
+            </a:r>
+            <a:r>
+              <a:rPr lang="en-US" sz="1800" b="1" i="0" dirty="0">
+                <a:solidFill>
+                  <a:srgbClr val="0070C0"/>
+                </a:solidFill>
+                <a:effectLst/>
+                <a:latin typeface="NimbusRomDOT-Reg"/>
+              </a:rPr>
+              <a:t>single SQL query </a:t>
+            </a:r>
+            <a:r>
+              <a:rPr lang="en-US" sz="1800" b="0" i="0" dirty="0">
+                <a:solidFill>
+                  <a:srgbClr val="242021"/>
+                </a:solidFill>
+                <a:effectLst/>
+                <a:latin typeface="NimbusRomDOT-Reg"/>
+              </a:rPr>
+              <a:t>to find total salary expenses of each department</a:t>
+            </a:r>
+            <a:r>
+              <a:rPr lang="en-US" dirty="0"/>
+              <a:t> </a:t>
+            </a:r>
+          </a:p>
+          <a:p>
+            <a:endParaRPr lang="en-US" dirty="0"/>
+          </a:p>
+          <a:p>
+            <a:r>
+              <a:rPr lang="en-US" sz="1800" b="0" i="0" dirty="0">
+                <a:solidFill>
+                  <a:srgbClr val="242021"/>
+                </a:solidFill>
+                <a:effectLst/>
+                <a:latin typeface="NimbusRomDOT-Reg"/>
+              </a:rPr>
+              <a:t>This query can be evaluated with a</a:t>
+            </a:r>
+            <a:r>
+              <a:rPr lang="en-US" sz="1800" i="0" dirty="0">
+                <a:solidFill>
+                  <a:srgbClr val="242021"/>
+                </a:solidFill>
+                <a:effectLst/>
+                <a:latin typeface="NimbusRomDOT-Reg"/>
+              </a:rPr>
+              <a:t> </a:t>
+            </a:r>
+            <a:r>
+              <a:rPr lang="en-US" sz="1800" b="1" i="0" dirty="0">
+                <a:solidFill>
+                  <a:srgbClr val="00B050"/>
+                </a:solidFill>
+                <a:effectLst/>
+                <a:latin typeface="NimbusRomDOT-Reg"/>
+              </a:rPr>
+              <a:t>single scan </a:t>
+            </a:r>
+            <a:r>
+              <a:rPr lang="en-US" sz="1800" b="0" i="0" dirty="0">
+                <a:solidFill>
+                  <a:srgbClr val="242021"/>
+                </a:solidFill>
+                <a:effectLst/>
+                <a:latin typeface="NimbusRomDOT-Reg"/>
+              </a:rPr>
+              <a:t>of the </a:t>
+            </a:r>
+            <a:r>
+              <a:rPr lang="en-US" sz="1800" i="1" dirty="0">
+                <a:solidFill>
+                  <a:srgbClr val="242021"/>
+                </a:solidFill>
+                <a:effectLst/>
+                <a:latin typeface="NimbusRomDOT-RegIta"/>
+              </a:rPr>
+              <a:t>instructor</a:t>
+            </a:r>
+            <a:r>
+              <a:rPr lang="en-US" sz="1800" b="0" i="1" dirty="0">
+                <a:solidFill>
+                  <a:srgbClr val="242021"/>
+                </a:solidFill>
+                <a:effectLst/>
+                <a:latin typeface="NimbusRomDOT-RegIta"/>
+              </a:rPr>
+              <a:t> </a:t>
+            </a:r>
+            <a:r>
+              <a:rPr lang="en-US" sz="1800" b="0" i="0" dirty="0">
+                <a:solidFill>
+                  <a:srgbClr val="242021"/>
+                </a:solidFill>
+                <a:effectLst/>
+                <a:latin typeface="NimbusRomDOT-Reg"/>
+              </a:rPr>
+              <a:t>relation.</a:t>
+            </a:r>
+          </a:p>
+          <a:p>
+            <a:endParaRPr lang="en-US" dirty="0">
+              <a:solidFill>
+                <a:srgbClr val="242021"/>
+              </a:solidFill>
+              <a:latin typeface="NimbusRomDOT-Reg"/>
+            </a:endParaRPr>
+          </a:p>
+          <a:p>
+            <a:r>
+              <a:rPr lang="en-US" sz="1800" b="1" i="0" dirty="0">
+                <a:solidFill>
+                  <a:srgbClr val="0070C0"/>
+                </a:solidFill>
+                <a:effectLst/>
+                <a:latin typeface="NimbusRomDOT-Reg"/>
+              </a:rPr>
+              <a:t>The results can be fetched to the client side using a single request</a:t>
+            </a:r>
+            <a:r>
+              <a:rPr lang="en-US" sz="1800" b="0" i="0" dirty="0">
+                <a:solidFill>
+                  <a:srgbClr val="242021"/>
+                </a:solidFill>
+                <a:effectLst/>
+                <a:latin typeface="NimbusRomDOT-Reg"/>
+              </a:rPr>
+              <a:t>, and the client program can then step through the results to</a:t>
+            </a:r>
+            <a:br>
+              <a:rPr lang="en-US" sz="1800" b="0" i="0" dirty="0">
+                <a:solidFill>
+                  <a:srgbClr val="242021"/>
+                </a:solidFill>
+                <a:effectLst/>
+                <a:latin typeface="NimbusRomDOT-Reg"/>
+              </a:rPr>
+            </a:br>
+            <a:r>
+              <a:rPr lang="en-US" sz="1800" b="0" i="0" dirty="0">
+                <a:solidFill>
+                  <a:srgbClr val="242021"/>
+                </a:solidFill>
+                <a:effectLst/>
+                <a:latin typeface="NimbusRomDOT-Reg"/>
+              </a:rPr>
+              <a:t>find the aggregate for each department.</a:t>
+            </a:r>
+            <a:r>
+              <a:rPr lang="en-US" dirty="0"/>
+              <a:t> </a:t>
+            </a:r>
+          </a:p>
+          <a:p>
+            <a:endParaRPr lang="en-US" dirty="0"/>
+          </a:p>
+          <a:p>
+            <a:r>
+              <a:rPr lang="en-US" sz="1800" b="0" i="0" dirty="0">
+                <a:solidFill>
+                  <a:srgbClr val="242021"/>
+                </a:solidFill>
+                <a:effectLst/>
+                <a:latin typeface="NimbusRomDOT-Reg"/>
+              </a:rPr>
+              <a:t>Combining multiple SQL queries into a single SQL query as above can reduce execution costs greatly in many cases, if the </a:t>
+            </a:r>
+            <a:r>
+              <a:rPr lang="en-US" sz="1800" b="1" i="1" dirty="0">
+                <a:solidFill>
+                  <a:srgbClr val="242021"/>
+                </a:solidFill>
+                <a:effectLst/>
+                <a:latin typeface="NimbusRomDOT-RegIta"/>
+              </a:rPr>
+              <a:t>instructor</a:t>
+            </a:r>
+            <a:r>
+              <a:rPr lang="en-US" sz="1800" b="0" i="1" dirty="0">
+                <a:solidFill>
+                  <a:srgbClr val="242021"/>
+                </a:solidFill>
+                <a:effectLst/>
+                <a:latin typeface="NimbusRomDOT-RegIta"/>
+              </a:rPr>
+              <a:t> </a:t>
+            </a:r>
+            <a:r>
+              <a:rPr lang="en-US" sz="1800" b="0" i="0" dirty="0">
+                <a:solidFill>
+                  <a:srgbClr val="242021"/>
+                </a:solidFill>
+                <a:effectLst/>
+                <a:latin typeface="NimbusRomDOT-Reg"/>
+              </a:rPr>
+              <a:t>relation is very large and has a large number of departments.</a:t>
+            </a:r>
+            <a:endParaRPr lang="en-PH" dirty="0"/>
+          </a:p>
+        </p:txBody>
+      </p:sp>
+      <p:pic>
+        <p:nvPicPr>
+          <p:cNvPr id="3" name="Picture 2" descr="A screenshot of a computer program&#10;&#10;Description automatically generated">
+            <a:extLst>
+              <a:ext uri="{FF2B5EF4-FFF2-40B4-BE49-F238E27FC236}">
+                <a16:creationId xmlns:a16="http://schemas.microsoft.com/office/drawing/2014/main" id="{EAD93474-E091-839C-1F62-65A19DEAAB0C}"/>
+              </a:ext>
+            </a:extLst>
+          </p:cNvPr>
+          <p:cNvPicPr>
+            <a:picLocks noChangeAspect="1"/>
+          </p:cNvPicPr>
+          <p:nvPr/>
+        </p:nvPicPr>
+        <p:blipFill>
+          <a:blip r:embed="rId3">
+            <a:extLst>
+              <a:ext uri="{28A0092B-C50C-407E-A947-70E740481C1C}">
+                <a14:useLocalDpi xmlns:a14="http://schemas.microsoft.com/office/drawing/2010/main" val="0"/>
+              </a:ext>
+            </a:extLst>
+          </a:blip>
+          <a:stretch>
+            <a:fillRect/>
+          </a:stretch>
+        </p:blipFill>
+        <p:spPr>
+          <a:xfrm>
+            <a:off x="7817596" y="3618508"/>
+            <a:ext cx="3876648" cy="2121185"/>
+          </a:xfrm>
+          <a:prstGeom prst="rect">
+            <a:avLst/>
+          </a:prstGeom>
+        </p:spPr>
+      </p:pic>
+      <p:pic>
+        <p:nvPicPr>
+          <p:cNvPr id="5" name="Picture 4" descr="A black rectangular with colorful text&#10;&#10;Description automatically generated with medium confidence">
+            <a:extLst>
+              <a:ext uri="{FF2B5EF4-FFF2-40B4-BE49-F238E27FC236}">
+                <a16:creationId xmlns:a16="http://schemas.microsoft.com/office/drawing/2014/main" id="{DAD2E6CC-B388-86B4-7338-07878D13DC9F}"/>
+              </a:ext>
+            </a:extLst>
+          </p:cNvPr>
+          <p:cNvPicPr>
+            <a:picLocks noChangeAspect="1"/>
+          </p:cNvPicPr>
+          <p:nvPr/>
+        </p:nvPicPr>
+        <p:blipFill>
+          <a:blip r:embed="rId4">
+            <a:extLst>
+              <a:ext uri="{28A0092B-C50C-407E-A947-70E740481C1C}">
+                <a14:useLocalDpi xmlns:a14="http://schemas.microsoft.com/office/drawing/2010/main" val="0"/>
+              </a:ext>
+            </a:extLst>
+          </a:blip>
+          <a:stretch>
+            <a:fillRect/>
+          </a:stretch>
+        </p:blipFill>
+        <p:spPr>
+          <a:xfrm>
+            <a:off x="7817596" y="1146789"/>
+            <a:ext cx="3072061" cy="2121185"/>
+          </a:xfrm>
+          <a:prstGeom prst="rect">
+            <a:avLst/>
+          </a:prstGeom>
+        </p:spPr>
+      </p:pic>
+      <p:pic>
+        <p:nvPicPr>
+          <p:cNvPr id="7" name="Graphic 6" descr="Checkmark with solid fill">
+            <a:extLst>
+              <a:ext uri="{FF2B5EF4-FFF2-40B4-BE49-F238E27FC236}">
+                <a16:creationId xmlns:a16="http://schemas.microsoft.com/office/drawing/2014/main" id="{2057878A-CB4E-5780-20B4-9CBE4DDC50E8}"/>
+              </a:ext>
+            </a:extLst>
+          </p:cNvPr>
+          <p:cNvPicPr>
+            <a:picLocks noChangeAspect="1"/>
+          </p:cNvPicPr>
+          <p:nvPr/>
+        </p:nvPicPr>
+        <p:blipFill>
+          <a:blip r:embed="rId5">
+            <a:extLst>
+              <a:ext uri="{28A0092B-C50C-407E-A947-70E740481C1C}">
+                <a14:useLocalDpi xmlns:a14="http://schemas.microsoft.com/office/drawing/2010/main" val="0"/>
+              </a:ext>
+              <a:ext uri="{96DAC541-7B7A-43D3-8B79-37D633B846F1}">
+                <asvg:svgBlip xmlns:asvg="http://schemas.microsoft.com/office/drawing/2016/SVG/main" r:embed="rId6"/>
+              </a:ext>
+            </a:extLst>
+          </a:blip>
+          <a:stretch>
+            <a:fillRect/>
+          </a:stretch>
+        </p:blipFill>
+        <p:spPr>
+          <a:xfrm>
+            <a:off x="6427076" y="4113223"/>
+            <a:ext cx="914400" cy="914400"/>
+          </a:xfrm>
+          <a:prstGeom prst="rect">
+            <a:avLst/>
+          </a:prstGeom>
+        </p:spPr>
+      </p:pic>
+      <p:pic>
+        <p:nvPicPr>
+          <p:cNvPr id="10" name="Graphic 9" descr="Close with solid fill">
+            <a:extLst>
+              <a:ext uri="{FF2B5EF4-FFF2-40B4-BE49-F238E27FC236}">
+                <a16:creationId xmlns:a16="http://schemas.microsoft.com/office/drawing/2014/main" id="{DB95649F-343D-2868-1728-977D067E96C7}"/>
+              </a:ext>
+            </a:extLst>
+          </p:cNvPr>
+          <p:cNvPicPr>
+            <a:picLocks noChangeAspect="1"/>
+          </p:cNvPicPr>
+          <p:nvPr/>
+        </p:nvPicPr>
+        <p:blipFill>
+          <a:blip r:embed="rId7">
+            <a:extLst>
+              <a:ext uri="{28A0092B-C50C-407E-A947-70E740481C1C}">
+                <a14:useLocalDpi xmlns:a14="http://schemas.microsoft.com/office/drawing/2010/main" val="0"/>
+              </a:ext>
+              <a:ext uri="{96DAC541-7B7A-43D3-8B79-37D633B846F1}">
+                <asvg:svgBlip xmlns:asvg="http://schemas.microsoft.com/office/drawing/2016/SVG/main" r:embed="rId8"/>
+              </a:ext>
+            </a:extLst>
+          </a:blip>
+          <a:stretch>
+            <a:fillRect/>
+          </a:stretch>
+        </p:blipFill>
+        <p:spPr>
+          <a:xfrm>
+            <a:off x="6427076" y="1750181"/>
+            <a:ext cx="914400" cy="914400"/>
+          </a:xfrm>
+          <a:prstGeom prst="rect">
+            <a:avLst/>
+          </a:prstGeom>
+        </p:spPr>
+      </p:pic>
+    </p:spTree>
+    <p:extLst>
+      <p:ext uri="{BB962C8B-B14F-4D97-AF65-F5344CB8AC3E}">
+        <p14:creationId xmlns:p14="http://schemas.microsoft.com/office/powerpoint/2010/main" val="260485171"/>
+      </p:ext>
+    </p:extLst>
+  </p:cSld>
+  <p:clrMapOvr>
+    <a:masterClrMapping/>
+  </p:clrMapOvr>
+</p:sld>
+</file>
+
+<file path=ppt/slides/slide27.xml><?xml version="1.0" encoding="utf-8"?>
+<p:sld xmlns:a="http://schemas.openxmlformats.org/drawingml/2006/main" xmlns:r="http://schemas.openxmlformats.org/officeDocument/2006/relationships" xmlns:p="http://schemas.openxmlformats.org/presentationml/2006/main">
+  <p:cSld>
+    <p:bg>
+      <p:bgPr>
+        <a:blipFill dpi="0" rotWithShape="1">
+          <a:blip r:embed="rId2">
+            <a:alphaModFix amt="99000"/>
+            <a:lum/>
+          </a:blip>
+          <a:srcRect/>
+          <a:stretch>
+            <a:fillRect t="89000" r="85000" b="-1000"/>
+          </a:stretch>
+        </a:blipFill>
+        <a:effectLst/>
+      </p:bgPr>
+    </p:bg>
+    <p:spTree>
+      <p:nvGrpSpPr>
+        <p:cNvPr id="1" name=""/>
+        <p:cNvGrpSpPr/>
+        <p:nvPr/>
+      </p:nvGrpSpPr>
+      <p:grpSpPr>
+        <a:xfrm>
+          <a:off x="0" y="0"/>
+          <a:ext cx="0" cy="0"/>
+          <a:chOff x="0" y="0"/>
+          <a:chExt cx="0" cy="0"/>
+        </a:xfrm>
+      </p:grpSpPr>
+      <p:sp>
+        <p:nvSpPr>
+          <p:cNvPr id="2" name="Title 1">
+            <a:extLst>
+              <a:ext uri="{FF2B5EF4-FFF2-40B4-BE49-F238E27FC236}">
+                <a16:creationId xmlns:a16="http://schemas.microsoft.com/office/drawing/2014/main" id="{6A3DCE86-C2BA-4713-9E7A-73589E8D6CCF}"/>
+              </a:ext>
+            </a:extLst>
+          </p:cNvPr>
+          <p:cNvSpPr>
+            <a:spLocks noGrp="1"/>
+          </p:cNvSpPr>
+          <p:nvPr>
+            <p:ph type="ctrTitle"/>
+          </p:nvPr>
+        </p:nvSpPr>
+        <p:spPr>
+          <a:xfrm>
+            <a:off x="1524000" y="189302"/>
+            <a:ext cx="9144000" cy="855727"/>
+          </a:xfrm>
+        </p:spPr>
+        <p:txBody>
+          <a:bodyPr>
+            <a:noAutofit/>
+          </a:bodyPr>
+          <a:lstStyle/>
+          <a:p>
+            <a:r>
+              <a:rPr lang="en-GB" sz="4000" b="1" dirty="0">
+                <a:latin typeface="Calibri Light (Headings)"/>
+              </a:rPr>
+              <a:t>Improving SELECT Queries</a:t>
+            </a:r>
+            <a:endParaRPr lang="en-PH" sz="4000" b="1" dirty="0">
+              <a:latin typeface="Calibri Light (Headings)"/>
+            </a:endParaRPr>
+          </a:p>
+        </p:txBody>
+      </p:sp>
+      <p:sp>
+        <p:nvSpPr>
+          <p:cNvPr id="4" name="Footer Placeholder 3">
+            <a:extLst>
+              <a:ext uri="{FF2B5EF4-FFF2-40B4-BE49-F238E27FC236}">
+                <a16:creationId xmlns:a16="http://schemas.microsoft.com/office/drawing/2014/main" id="{638E7DE1-45EE-476A-A474-0F3C264AEDA3}"/>
+              </a:ext>
+            </a:extLst>
+          </p:cNvPr>
+          <p:cNvSpPr>
+            <a:spLocks noGrp="1"/>
+          </p:cNvSpPr>
+          <p:nvPr>
+            <p:ph type="ftr" sz="quarter" idx="11"/>
+          </p:nvPr>
+        </p:nvSpPr>
+        <p:spPr>
+          <a:xfrm>
+            <a:off x="0" y="6139541"/>
+            <a:ext cx="12192000" cy="718459"/>
+          </a:xfrm>
+          <a:ln w="28575">
+            <a:solidFill>
+              <a:schemeClr val="accent5">
+                <a:lumMod val="50000"/>
+              </a:schemeClr>
+            </a:solidFill>
+          </a:ln>
+        </p:spPr>
+        <p:txBody>
+          <a:bodyPr/>
+          <a:lstStyle/>
+          <a:p>
+            <a:pPr algn="r"/>
+            <a:r>
+              <a:rPr lang="en-PH" b="1" dirty="0">
+                <a:solidFill>
+                  <a:schemeClr val="tx1"/>
+                </a:solidFill>
+                <a:latin typeface="Calibri (Body)"/>
+              </a:rPr>
+              <a:t>CTADVDBL</a:t>
+            </a:r>
+            <a:r>
+              <a:rPr lang="en-PH" dirty="0">
+                <a:latin typeface="Calibri (Body)"/>
+              </a:rPr>
+              <a:t>	</a:t>
+            </a:r>
+          </a:p>
+        </p:txBody>
+      </p:sp>
+      <p:pic>
+        <p:nvPicPr>
+          <p:cNvPr id="7" name="Graphic 6" descr="Checkmark with solid fill">
+            <a:extLst>
+              <a:ext uri="{FF2B5EF4-FFF2-40B4-BE49-F238E27FC236}">
+                <a16:creationId xmlns:a16="http://schemas.microsoft.com/office/drawing/2014/main" id="{2057878A-CB4E-5780-20B4-9CBE4DDC50E8}"/>
+              </a:ext>
+            </a:extLst>
+          </p:cNvPr>
+          <p:cNvPicPr>
+            <a:picLocks noChangeAspect="1"/>
+          </p:cNvPicPr>
+          <p:nvPr/>
+        </p:nvPicPr>
+        <p:blipFill>
+          <a:blip r:embed="rId3">
+            <a:extLst>
+              <a:ext uri="{28A0092B-C50C-407E-A947-70E740481C1C}">
+                <a14:useLocalDpi xmlns:a14="http://schemas.microsoft.com/office/drawing/2010/main" val="0"/>
+              </a:ext>
+              <a:ext uri="{96DAC541-7B7A-43D3-8B79-37D633B846F1}">
+                <asvg:svgBlip xmlns:asvg="http://schemas.microsoft.com/office/drawing/2016/SVG/main" r:embed="rId4"/>
+              </a:ext>
+            </a:extLst>
+          </a:blip>
+          <a:stretch>
+            <a:fillRect/>
+          </a:stretch>
+        </p:blipFill>
+        <p:spPr>
+          <a:xfrm>
+            <a:off x="9461828" y="3432510"/>
+            <a:ext cx="540866" cy="540866"/>
+          </a:xfrm>
+          <a:prstGeom prst="rect">
+            <a:avLst/>
+          </a:prstGeom>
+        </p:spPr>
+      </p:pic>
+      <p:pic>
+        <p:nvPicPr>
+          <p:cNvPr id="10" name="Graphic 9" descr="Close with solid fill">
+            <a:extLst>
+              <a:ext uri="{FF2B5EF4-FFF2-40B4-BE49-F238E27FC236}">
+                <a16:creationId xmlns:a16="http://schemas.microsoft.com/office/drawing/2014/main" id="{DB95649F-343D-2868-1728-977D067E96C7}"/>
+              </a:ext>
+            </a:extLst>
+          </p:cNvPr>
+          <p:cNvPicPr>
+            <a:picLocks noChangeAspect="1"/>
+          </p:cNvPicPr>
+          <p:nvPr/>
+        </p:nvPicPr>
+        <p:blipFill>
+          <a:blip r:embed="rId5">
+            <a:extLst>
+              <a:ext uri="{28A0092B-C50C-407E-A947-70E740481C1C}">
+                <a14:useLocalDpi xmlns:a14="http://schemas.microsoft.com/office/drawing/2010/main" val="0"/>
+              </a:ext>
+              <a:ext uri="{96DAC541-7B7A-43D3-8B79-37D633B846F1}">
+                <asvg:svgBlip xmlns:asvg="http://schemas.microsoft.com/office/drawing/2016/SVG/main" r:embed="rId6"/>
+              </a:ext>
+            </a:extLst>
+          </a:blip>
+          <a:stretch>
+            <a:fillRect/>
+          </a:stretch>
+        </p:blipFill>
+        <p:spPr>
+          <a:xfrm>
+            <a:off x="2847680" y="3437194"/>
+            <a:ext cx="448462" cy="448462"/>
+          </a:xfrm>
+          <a:prstGeom prst="rect">
+            <a:avLst/>
+          </a:prstGeom>
+        </p:spPr>
+      </p:pic>
+      <p:pic>
+        <p:nvPicPr>
+          <p:cNvPr id="8" name="Picture 7" descr="A screenshot of a computer program&#10;&#10;Description automatically generated">
+            <a:extLst>
+              <a:ext uri="{FF2B5EF4-FFF2-40B4-BE49-F238E27FC236}">
+                <a16:creationId xmlns:a16="http://schemas.microsoft.com/office/drawing/2014/main" id="{3B5D67D6-4373-3E6D-4A03-E822E0ED6F47}"/>
+              </a:ext>
+            </a:extLst>
+          </p:cNvPr>
+          <p:cNvPicPr>
+            <a:picLocks noChangeAspect="1"/>
+          </p:cNvPicPr>
+          <p:nvPr/>
+        </p:nvPicPr>
+        <p:blipFill>
+          <a:blip r:embed="rId7">
+            <a:extLst>
+              <a:ext uri="{28A0092B-C50C-407E-A947-70E740481C1C}">
+                <a14:useLocalDpi xmlns:a14="http://schemas.microsoft.com/office/drawing/2010/main" val="0"/>
+              </a:ext>
+            </a:extLst>
+          </a:blip>
+          <a:stretch>
+            <a:fillRect/>
+          </a:stretch>
+        </p:blipFill>
+        <p:spPr>
+          <a:xfrm>
+            <a:off x="1154037" y="1404641"/>
+            <a:ext cx="3835749" cy="1935309"/>
+          </a:xfrm>
+          <a:prstGeom prst="rect">
+            <a:avLst/>
+          </a:prstGeom>
+        </p:spPr>
+      </p:pic>
+      <p:pic>
+        <p:nvPicPr>
+          <p:cNvPr id="11" name="Picture 10" descr="A screenshot of a computer&#10;&#10;Description automatically generated">
+            <a:extLst>
+              <a:ext uri="{FF2B5EF4-FFF2-40B4-BE49-F238E27FC236}">
+                <a16:creationId xmlns:a16="http://schemas.microsoft.com/office/drawing/2014/main" id="{C76167F3-E308-DC97-8863-51A1DC4E0D05}"/>
+              </a:ext>
+            </a:extLst>
+          </p:cNvPr>
+          <p:cNvPicPr>
+            <a:picLocks noChangeAspect="1"/>
+          </p:cNvPicPr>
+          <p:nvPr/>
+        </p:nvPicPr>
+        <p:blipFill>
+          <a:blip r:embed="rId8">
+            <a:extLst>
+              <a:ext uri="{28A0092B-C50C-407E-A947-70E740481C1C}">
+                <a14:useLocalDpi xmlns:a14="http://schemas.microsoft.com/office/drawing/2010/main" val="0"/>
+              </a:ext>
+            </a:extLst>
+          </a:blip>
+          <a:stretch>
+            <a:fillRect/>
+          </a:stretch>
+        </p:blipFill>
+        <p:spPr>
+          <a:xfrm>
+            <a:off x="7709450" y="1404642"/>
+            <a:ext cx="3832484" cy="1935309"/>
+          </a:xfrm>
+          <a:prstGeom prst="rect">
+            <a:avLst/>
+          </a:prstGeom>
+        </p:spPr>
+      </p:pic>
+      <p:pic>
+        <p:nvPicPr>
+          <p:cNvPr id="14" name="Picture 13" descr="A screenshot of a computer&#10;&#10;Description automatically generated">
+            <a:extLst>
+              <a:ext uri="{FF2B5EF4-FFF2-40B4-BE49-F238E27FC236}">
+                <a16:creationId xmlns:a16="http://schemas.microsoft.com/office/drawing/2014/main" id="{598C6923-E30C-3EA1-22DF-E6E8999390B2}"/>
+              </a:ext>
+            </a:extLst>
+          </p:cNvPr>
+          <p:cNvPicPr>
+            <a:picLocks noChangeAspect="1"/>
+          </p:cNvPicPr>
+          <p:nvPr/>
+        </p:nvPicPr>
+        <p:blipFill>
+          <a:blip r:embed="rId9">
+            <a:extLst>
+              <a:ext uri="{28A0092B-C50C-407E-A947-70E740481C1C}">
+                <a14:useLocalDpi xmlns:a14="http://schemas.microsoft.com/office/drawing/2010/main" val="0"/>
+              </a:ext>
+            </a:extLst>
+          </a:blip>
+          <a:stretch>
+            <a:fillRect/>
+          </a:stretch>
+        </p:blipFill>
+        <p:spPr>
+          <a:xfrm>
+            <a:off x="8898824" y="3973376"/>
+            <a:ext cx="1666875" cy="1981200"/>
+          </a:xfrm>
+          <a:prstGeom prst="rect">
+            <a:avLst/>
+          </a:prstGeom>
+        </p:spPr>
+      </p:pic>
+      <p:pic>
+        <p:nvPicPr>
+          <p:cNvPr id="16" name="Picture 15" descr="A diagram of a machine&#10;&#10;Description automatically generated with medium confidence">
+            <a:extLst>
+              <a:ext uri="{FF2B5EF4-FFF2-40B4-BE49-F238E27FC236}">
+                <a16:creationId xmlns:a16="http://schemas.microsoft.com/office/drawing/2014/main" id="{FF69D15F-B639-6BBF-7883-F89E39B20E55}"/>
+              </a:ext>
+            </a:extLst>
+          </p:cNvPr>
+          <p:cNvPicPr>
+            <a:picLocks noChangeAspect="1"/>
+          </p:cNvPicPr>
+          <p:nvPr/>
+        </p:nvPicPr>
+        <p:blipFill>
+          <a:blip r:embed="rId10">
+            <a:extLst>
+              <a:ext uri="{28A0092B-C50C-407E-A947-70E740481C1C}">
+                <a14:useLocalDpi xmlns:a14="http://schemas.microsoft.com/office/drawing/2010/main" val="0"/>
+              </a:ext>
+            </a:extLst>
+          </a:blip>
+          <a:stretch>
+            <a:fillRect/>
+          </a:stretch>
+        </p:blipFill>
+        <p:spPr>
+          <a:xfrm>
+            <a:off x="2420533" y="3982901"/>
+            <a:ext cx="1524000" cy="1962150"/>
+          </a:xfrm>
+          <a:prstGeom prst="rect">
+            <a:avLst/>
+          </a:prstGeom>
+        </p:spPr>
+      </p:pic>
+    </p:spTree>
+    <p:extLst>
+      <p:ext uri="{BB962C8B-B14F-4D97-AF65-F5344CB8AC3E}">
+        <p14:creationId xmlns:p14="http://schemas.microsoft.com/office/powerpoint/2010/main" val="2781615138"/>
+      </p:ext>
+    </p:extLst>
+  </p:cSld>
+  <p:clrMapOvr>
+    <a:masterClrMapping/>
+  </p:clrMapOvr>
+</p:sld>
+</file>
+
+<file path=ppt/slides/slide28.xml><?xml version="1.0" encoding="utf-8"?>
+<p:sld xmlns:a="http://schemas.openxmlformats.org/drawingml/2006/main" xmlns:r="http://schemas.openxmlformats.org/officeDocument/2006/relationships" xmlns:p="http://schemas.openxmlformats.org/presentationml/2006/main">
+  <p:cSld>
+    <p:bg>
+      <p:bgPr>
+        <a:blipFill dpi="0" rotWithShape="1">
+          <a:blip r:embed="rId2">
+            <a:alphaModFix amt="99000"/>
+            <a:lum/>
+          </a:blip>
+          <a:srcRect/>
+          <a:stretch>
+            <a:fillRect t="89000" r="85000" b="-1000"/>
+          </a:stretch>
+        </a:blipFill>
+        <a:effectLst/>
+      </p:bgPr>
+    </p:bg>
+    <p:spTree>
+      <p:nvGrpSpPr>
+        <p:cNvPr id="1" name=""/>
+        <p:cNvGrpSpPr/>
+        <p:nvPr/>
+      </p:nvGrpSpPr>
+      <p:grpSpPr>
+        <a:xfrm>
+          <a:off x="0" y="0"/>
+          <a:ext cx="0" cy="0"/>
+          <a:chOff x="0" y="0"/>
+          <a:chExt cx="0" cy="0"/>
+        </a:xfrm>
+      </p:grpSpPr>
+      <p:sp>
+        <p:nvSpPr>
+          <p:cNvPr id="2" name="Title 1">
+            <a:extLst>
+              <a:ext uri="{FF2B5EF4-FFF2-40B4-BE49-F238E27FC236}">
+                <a16:creationId xmlns:a16="http://schemas.microsoft.com/office/drawing/2014/main" id="{6A3DCE86-C2BA-4713-9E7A-73589E8D6CCF}"/>
+              </a:ext>
+            </a:extLst>
+          </p:cNvPr>
+          <p:cNvSpPr>
+            <a:spLocks noGrp="1"/>
+          </p:cNvSpPr>
+          <p:nvPr>
+            <p:ph type="ctrTitle"/>
+          </p:nvPr>
+        </p:nvSpPr>
+        <p:spPr>
+          <a:xfrm>
+            <a:off x="1524000" y="189302"/>
+            <a:ext cx="9144000" cy="855727"/>
+          </a:xfrm>
+        </p:spPr>
+        <p:txBody>
+          <a:bodyPr>
+            <a:noAutofit/>
+          </a:bodyPr>
+          <a:lstStyle/>
+          <a:p>
+            <a:r>
+              <a:rPr lang="en-GB" sz="4000" b="1" dirty="0">
+                <a:latin typeface="Calibri Light (Headings)"/>
+              </a:rPr>
+              <a:t>Batch Update</a:t>
+            </a:r>
+            <a:endParaRPr lang="en-PH" sz="4000" b="1" dirty="0">
+              <a:latin typeface="Calibri Light (Headings)"/>
+            </a:endParaRPr>
+          </a:p>
+        </p:txBody>
+      </p:sp>
+      <p:sp>
+        <p:nvSpPr>
+          <p:cNvPr id="4" name="Footer Placeholder 3">
+            <a:extLst>
+              <a:ext uri="{FF2B5EF4-FFF2-40B4-BE49-F238E27FC236}">
+                <a16:creationId xmlns:a16="http://schemas.microsoft.com/office/drawing/2014/main" id="{638E7DE1-45EE-476A-A474-0F3C264AEDA3}"/>
+              </a:ext>
+            </a:extLst>
+          </p:cNvPr>
+          <p:cNvSpPr>
+            <a:spLocks noGrp="1"/>
+          </p:cNvSpPr>
+          <p:nvPr>
+            <p:ph type="ftr" sz="quarter" idx="11"/>
+          </p:nvPr>
+        </p:nvSpPr>
+        <p:spPr>
+          <a:xfrm>
+            <a:off x="0" y="6139541"/>
+            <a:ext cx="12192000" cy="718459"/>
+          </a:xfrm>
+          <a:ln w="28575">
+            <a:solidFill>
+              <a:schemeClr val="accent5">
+                <a:lumMod val="50000"/>
+              </a:schemeClr>
+            </a:solidFill>
+          </a:ln>
+        </p:spPr>
+        <p:txBody>
+          <a:bodyPr/>
+          <a:lstStyle/>
+          <a:p>
+            <a:pPr algn="r"/>
+            <a:r>
+              <a:rPr lang="en-PH" b="1" dirty="0">
+                <a:solidFill>
+                  <a:schemeClr val="tx1"/>
+                </a:solidFill>
+                <a:latin typeface="Calibri (Body)"/>
+              </a:rPr>
+              <a:t>CTADVDBL</a:t>
+            </a:r>
+            <a:r>
+              <a:rPr lang="en-PH" dirty="0">
+                <a:latin typeface="Calibri (Body)"/>
+              </a:rPr>
+              <a:t>	</a:t>
+            </a:r>
+          </a:p>
+        </p:txBody>
+      </p:sp>
+      <p:sp>
+        <p:nvSpPr>
+          <p:cNvPr id="13" name="TextBox 12">
+            <a:extLst>
+              <a:ext uri="{FF2B5EF4-FFF2-40B4-BE49-F238E27FC236}">
+                <a16:creationId xmlns:a16="http://schemas.microsoft.com/office/drawing/2014/main" id="{98F33126-32D2-E007-E33E-68AEFC100256}"/>
+              </a:ext>
+            </a:extLst>
+          </p:cNvPr>
+          <p:cNvSpPr txBox="1"/>
+          <p:nvPr/>
+        </p:nvSpPr>
+        <p:spPr>
+          <a:xfrm>
+            <a:off x="401495" y="4179124"/>
+            <a:ext cx="11389009" cy="2031325"/>
+          </a:xfrm>
+          <a:prstGeom prst="rect">
+            <a:avLst/>
+          </a:prstGeom>
+          <a:noFill/>
+        </p:spPr>
+        <p:txBody>
+          <a:bodyPr wrap="square">
+            <a:spAutoFit/>
+          </a:bodyPr>
+          <a:lstStyle/>
+          <a:p>
+            <a:r>
+              <a:rPr lang="en-US" dirty="0"/>
+              <a:t>The </a:t>
+            </a:r>
+            <a:r>
+              <a:rPr lang="en-US" b="1" dirty="0">
+                <a:solidFill>
+                  <a:srgbClr val="0070C0"/>
+                </a:solidFill>
+              </a:rPr>
+              <a:t>JDBC API </a:t>
+            </a:r>
+            <a:r>
+              <a:rPr lang="en-US" dirty="0"/>
+              <a:t>also provides a feature called </a:t>
+            </a:r>
+            <a:r>
+              <a:rPr lang="en-US" b="1" dirty="0">
+                <a:solidFill>
+                  <a:srgbClr val="00B050"/>
+                </a:solidFill>
+              </a:rPr>
+              <a:t>batch update </a:t>
+            </a:r>
+            <a:r>
+              <a:rPr lang="en-US" dirty="0"/>
+              <a:t>that allows a number of inserts to be performed using a single communication with the database. </a:t>
+            </a:r>
+          </a:p>
+          <a:p>
+            <a:endParaRPr lang="en-US" dirty="0"/>
+          </a:p>
+          <a:p>
+            <a:r>
+              <a:rPr lang="en-US" dirty="0"/>
+              <a:t>In the absence of batch update, as many rounds of communication with the database are required as there are instructors to be inserted. The batch update feature also enables the database to process a batch of inserts at once, which can potentially be done much more efficiently than a series of single record inserts. </a:t>
+            </a:r>
+            <a:br>
+              <a:rPr lang="en-US" dirty="0"/>
+            </a:br>
+            <a:endParaRPr lang="en-PH" dirty="0"/>
+          </a:p>
+        </p:txBody>
+      </p:sp>
+      <p:pic>
+        <p:nvPicPr>
+          <p:cNvPr id="8" name="Picture 7" descr="A screen shot of a computer&#10;&#10;Description automatically generated">
+            <a:extLst>
+              <a:ext uri="{FF2B5EF4-FFF2-40B4-BE49-F238E27FC236}">
+                <a16:creationId xmlns:a16="http://schemas.microsoft.com/office/drawing/2014/main" id="{3DEDE983-532F-7F12-1BAF-A81BF059E809}"/>
+              </a:ext>
+            </a:extLst>
+          </p:cNvPr>
+          <p:cNvPicPr>
+            <a:picLocks noChangeAspect="1"/>
+          </p:cNvPicPr>
+          <p:nvPr/>
+        </p:nvPicPr>
+        <p:blipFill>
+          <a:blip r:embed="rId3">
+            <a:extLst>
+              <a:ext uri="{28A0092B-C50C-407E-A947-70E740481C1C}">
+                <a14:useLocalDpi xmlns:a14="http://schemas.microsoft.com/office/drawing/2010/main" val="0"/>
+              </a:ext>
+            </a:extLst>
+          </a:blip>
+          <a:stretch>
+            <a:fillRect/>
+          </a:stretch>
+        </p:blipFill>
+        <p:spPr>
+          <a:xfrm>
+            <a:off x="3475623" y="1338281"/>
+            <a:ext cx="5240754" cy="2501959"/>
+          </a:xfrm>
+          <a:prstGeom prst="rect">
+            <a:avLst/>
+          </a:prstGeom>
+        </p:spPr>
+      </p:pic>
+    </p:spTree>
+    <p:extLst>
+      <p:ext uri="{BB962C8B-B14F-4D97-AF65-F5344CB8AC3E}">
+        <p14:creationId xmlns:p14="http://schemas.microsoft.com/office/powerpoint/2010/main" val="501160820"/>
+      </p:ext>
+    </p:extLst>
+  </p:cSld>
+  <p:clrMapOvr>
+    <a:masterClrMapping/>
+  </p:clrMapOvr>
+</p:sld>
+</file>
+
+<file path=ppt/slides/slide29.xml><?xml version="1.0" encoding="utf-8"?>
+<p:sld xmlns:a="http://schemas.openxmlformats.org/drawingml/2006/main" xmlns:r="http://schemas.openxmlformats.org/officeDocument/2006/relationships" xmlns:p="http://schemas.openxmlformats.org/presentationml/2006/main">
+  <p:cSld>
+    <p:bg>
+      <p:bgPr>
+        <a:blipFill dpi="0" rotWithShape="1">
+          <a:blip r:embed="rId2">
+            <a:alphaModFix amt="99000"/>
+            <a:lum/>
+          </a:blip>
+          <a:srcRect/>
+          <a:stretch>
+            <a:fillRect t="89000" r="85000" b="-1000"/>
+          </a:stretch>
+        </a:blipFill>
+        <a:effectLst/>
+      </p:bgPr>
+    </p:bg>
+    <p:spTree>
+      <p:nvGrpSpPr>
+        <p:cNvPr id="1" name=""/>
+        <p:cNvGrpSpPr/>
+        <p:nvPr/>
+      </p:nvGrpSpPr>
+      <p:grpSpPr>
+        <a:xfrm>
+          <a:off x="0" y="0"/>
+          <a:ext cx="0" cy="0"/>
+          <a:chOff x="0" y="0"/>
+          <a:chExt cx="0" cy="0"/>
+        </a:xfrm>
+      </p:grpSpPr>
+      <p:sp>
+        <p:nvSpPr>
+          <p:cNvPr id="2" name="Title 1">
+            <a:extLst>
+              <a:ext uri="{FF2B5EF4-FFF2-40B4-BE49-F238E27FC236}">
+                <a16:creationId xmlns:a16="http://schemas.microsoft.com/office/drawing/2014/main" id="{6A3DCE86-C2BA-4713-9E7A-73589E8D6CCF}"/>
+              </a:ext>
+            </a:extLst>
+          </p:cNvPr>
+          <p:cNvSpPr>
+            <a:spLocks noGrp="1"/>
+          </p:cNvSpPr>
+          <p:nvPr>
+            <p:ph type="ctrTitle"/>
+          </p:nvPr>
+        </p:nvSpPr>
+        <p:spPr>
+          <a:xfrm>
+            <a:off x="1524000" y="189302"/>
+            <a:ext cx="9144000" cy="855727"/>
+          </a:xfrm>
+        </p:spPr>
+        <p:txBody>
+          <a:bodyPr>
+            <a:noAutofit/>
+          </a:bodyPr>
+          <a:lstStyle/>
+          <a:p>
+            <a:r>
+              <a:rPr lang="en-GB" sz="4000" b="1" dirty="0">
+                <a:latin typeface="Calibri Light (Headings)"/>
+              </a:rPr>
+              <a:t>Tuning Database Parameters</a:t>
+            </a:r>
+            <a:endParaRPr lang="en-PH" sz="4000" b="1" dirty="0">
+              <a:latin typeface="Calibri Light (Headings)"/>
+            </a:endParaRPr>
+          </a:p>
+        </p:txBody>
+      </p:sp>
+      <p:sp>
+        <p:nvSpPr>
+          <p:cNvPr id="4" name="Footer Placeholder 3">
+            <a:extLst>
+              <a:ext uri="{FF2B5EF4-FFF2-40B4-BE49-F238E27FC236}">
+                <a16:creationId xmlns:a16="http://schemas.microsoft.com/office/drawing/2014/main" id="{638E7DE1-45EE-476A-A474-0F3C264AEDA3}"/>
+              </a:ext>
+            </a:extLst>
+          </p:cNvPr>
+          <p:cNvSpPr>
+            <a:spLocks noGrp="1"/>
+          </p:cNvSpPr>
+          <p:nvPr>
+            <p:ph type="ftr" sz="quarter" idx="11"/>
+          </p:nvPr>
+        </p:nvSpPr>
+        <p:spPr>
+          <a:xfrm>
+            <a:off x="0" y="6139541"/>
+            <a:ext cx="12192000" cy="718459"/>
+          </a:xfrm>
+          <a:ln w="28575">
+            <a:solidFill>
+              <a:schemeClr val="accent5">
+                <a:lumMod val="50000"/>
+              </a:schemeClr>
+            </a:solidFill>
+          </a:ln>
+        </p:spPr>
+        <p:txBody>
+          <a:bodyPr/>
+          <a:lstStyle/>
+          <a:p>
+            <a:pPr algn="r"/>
+            <a:r>
+              <a:rPr lang="en-PH" b="1" dirty="0">
+                <a:solidFill>
+                  <a:schemeClr val="tx1"/>
+                </a:solidFill>
+                <a:latin typeface="Calibri (Body)"/>
+              </a:rPr>
+              <a:t>CTADVDBL</a:t>
+            </a:r>
+            <a:r>
+              <a:rPr lang="en-PH" dirty="0">
+                <a:latin typeface="Calibri (Body)"/>
+              </a:rPr>
+              <a:t>	</a:t>
+            </a:r>
+          </a:p>
+        </p:txBody>
+      </p:sp>
+      <p:sp>
+        <p:nvSpPr>
+          <p:cNvPr id="10" name="Subtitle 5">
+            <a:extLst>
+              <a:ext uri="{FF2B5EF4-FFF2-40B4-BE49-F238E27FC236}">
+                <a16:creationId xmlns:a16="http://schemas.microsoft.com/office/drawing/2014/main" id="{1393928C-04CA-D15A-DA77-BC6B3DCD04CE}"/>
+              </a:ext>
+            </a:extLst>
+          </p:cNvPr>
+          <p:cNvSpPr>
+            <a:spLocks noGrp="1"/>
+          </p:cNvSpPr>
+          <p:nvPr>
+            <p:ph type="subTitle" idx="1"/>
+          </p:nvPr>
+        </p:nvSpPr>
+        <p:spPr>
+          <a:xfrm>
+            <a:off x="456986" y="1155279"/>
+            <a:ext cx="6933888" cy="4734718"/>
+          </a:xfrm>
+        </p:spPr>
+        <p:txBody>
+          <a:bodyPr>
+            <a:noAutofit/>
+          </a:bodyPr>
+          <a:lstStyle/>
+          <a:p>
+            <a:pPr algn="l"/>
+            <a:r>
+              <a:rPr lang="en-US" sz="1800" dirty="0"/>
+              <a:t>The second level consists of the </a:t>
+            </a:r>
+            <a:r>
+              <a:rPr lang="en-US" sz="1800" b="1" dirty="0">
+                <a:solidFill>
+                  <a:srgbClr val="0070C0"/>
+                </a:solidFill>
+              </a:rPr>
+              <a:t>database-system parameters</a:t>
+            </a:r>
+            <a:r>
+              <a:rPr lang="en-US" sz="1800" dirty="0"/>
+              <a:t>, such as buffer size and checkpointing intervals. </a:t>
+            </a:r>
+          </a:p>
+          <a:p>
+            <a:pPr algn="l"/>
+            <a:endParaRPr lang="en-US" sz="1800" dirty="0"/>
+          </a:p>
+          <a:p>
+            <a:pPr algn="l"/>
+            <a:r>
+              <a:rPr lang="en-US" sz="1800" dirty="0"/>
+              <a:t>A </a:t>
+            </a:r>
+            <a:r>
+              <a:rPr lang="en-US" sz="1800" b="1" dirty="0">
+                <a:solidFill>
+                  <a:srgbClr val="00B050"/>
+                </a:solidFill>
+              </a:rPr>
+              <a:t>buffer</a:t>
+            </a:r>
+            <a:r>
+              <a:rPr lang="en-US" sz="1800" dirty="0"/>
+              <a:t> is a memory location used by a database management system (DBMS) to </a:t>
+            </a:r>
+            <a:r>
+              <a:rPr lang="en-US" sz="1800" b="1" dirty="0">
+                <a:solidFill>
+                  <a:srgbClr val="0070C0"/>
+                </a:solidFill>
+              </a:rPr>
+              <a:t>temporarily hold data </a:t>
+            </a:r>
+            <a:r>
+              <a:rPr lang="en-US" sz="1800" dirty="0"/>
+              <a:t>that has recently been accessed or updated in the database.</a:t>
+            </a:r>
+          </a:p>
+          <a:p>
+            <a:pPr algn="l"/>
+            <a:endParaRPr lang="en-US" sz="1800" dirty="0"/>
+          </a:p>
+          <a:p>
+            <a:pPr algn="l"/>
+            <a:r>
+              <a:rPr lang="en-US" sz="1800" dirty="0"/>
+              <a:t>This buffer acts as a link between the programs accessing the data and the physical storage devices</a:t>
+            </a:r>
+          </a:p>
+          <a:p>
+            <a:pPr algn="l"/>
+            <a:endParaRPr lang="en-US" sz="1800" dirty="0"/>
+          </a:p>
+          <a:p>
+            <a:pPr algn="l"/>
+            <a:r>
+              <a:rPr lang="en-US" sz="1800" dirty="0"/>
+              <a:t>The database buffer is essential for enhancing the DBMS's overall performance. Caching frequently requested data in memory, it </a:t>
+            </a:r>
+            <a:r>
+              <a:rPr lang="en-US" sz="1800" b="1" dirty="0">
+                <a:solidFill>
+                  <a:srgbClr val="0070C0"/>
+                </a:solidFill>
+              </a:rPr>
+              <a:t>decreases the frequency of disc I/O operations</a:t>
+            </a:r>
+            <a:r>
+              <a:rPr lang="en-US" sz="1800" dirty="0"/>
+              <a:t>, accelerating query and transaction processing.</a:t>
+            </a:r>
+            <a:br>
+              <a:rPr lang="en-US" sz="1800" dirty="0"/>
+            </a:br>
+            <a:endParaRPr lang="en-US" sz="1800" dirty="0"/>
+          </a:p>
+        </p:txBody>
+      </p:sp>
+      <p:pic>
+        <p:nvPicPr>
+          <p:cNvPr id="5" name="Picture 4" descr="A diagram of a database server&#10;&#10;Description automatically generated">
+            <a:extLst>
+              <a:ext uri="{FF2B5EF4-FFF2-40B4-BE49-F238E27FC236}">
+                <a16:creationId xmlns:a16="http://schemas.microsoft.com/office/drawing/2014/main" id="{B9AA5A0D-D560-72A4-6E35-7F9397BDD014}"/>
+              </a:ext>
+            </a:extLst>
+          </p:cNvPr>
+          <p:cNvPicPr>
+            <a:picLocks noChangeAspect="1"/>
+          </p:cNvPicPr>
+          <p:nvPr/>
+        </p:nvPicPr>
+        <p:blipFill>
+          <a:blip r:embed="rId3">
+            <a:extLst>
+              <a:ext uri="{28A0092B-C50C-407E-A947-70E740481C1C}">
+                <a14:useLocalDpi xmlns:a14="http://schemas.microsoft.com/office/drawing/2010/main" val="0"/>
+              </a:ext>
+            </a:extLst>
+          </a:blip>
+          <a:stretch>
+            <a:fillRect/>
+          </a:stretch>
+        </p:blipFill>
+        <p:spPr>
+          <a:xfrm>
+            <a:off x="9068326" y="762053"/>
+            <a:ext cx="2464960" cy="2308042"/>
+          </a:xfrm>
+          <a:prstGeom prst="rect">
+            <a:avLst/>
+          </a:prstGeom>
+        </p:spPr>
+      </p:pic>
+      <p:pic>
+        <p:nvPicPr>
+          <p:cNvPr id="8" name="Picture 7" descr="A diagram of a database buffer cache&#10;&#10;Description automatically generated">
+            <a:extLst>
+              <a:ext uri="{FF2B5EF4-FFF2-40B4-BE49-F238E27FC236}">
+                <a16:creationId xmlns:a16="http://schemas.microsoft.com/office/drawing/2014/main" id="{02AA7233-2CB9-E07A-9322-86E95F5F9060}"/>
+              </a:ext>
+            </a:extLst>
+          </p:cNvPr>
+          <p:cNvPicPr>
+            <a:picLocks noChangeAspect="1"/>
+          </p:cNvPicPr>
+          <p:nvPr/>
+        </p:nvPicPr>
+        <p:blipFill>
+          <a:blip r:embed="rId4">
+            <a:extLst>
+              <a:ext uri="{28A0092B-C50C-407E-A947-70E740481C1C}">
+                <a14:useLocalDpi xmlns:a14="http://schemas.microsoft.com/office/drawing/2010/main" val="0"/>
+              </a:ext>
+            </a:extLst>
+          </a:blip>
+          <a:stretch>
+            <a:fillRect/>
+          </a:stretch>
+        </p:blipFill>
+        <p:spPr>
+          <a:xfrm>
+            <a:off x="7838383" y="3304452"/>
+            <a:ext cx="3896631" cy="2191855"/>
+          </a:xfrm>
+          <a:prstGeom prst="rect">
+            <a:avLst/>
+          </a:prstGeom>
+        </p:spPr>
+      </p:pic>
+    </p:spTree>
+    <p:extLst>
+      <p:ext uri="{BB962C8B-B14F-4D97-AF65-F5344CB8AC3E}">
+        <p14:creationId xmlns:p14="http://schemas.microsoft.com/office/powerpoint/2010/main" val="3980311441"/>
+      </p:ext>
+    </p:extLst>
+  </p:cSld>
+  <p:clrMapOvr>
+    <a:masterClrMapping/>
+  </p:clrMapOvr>
+</p:sld>
+</file>
+
+<file path=ppt/slides/slide3.xml><?xml version="1.0" encoding="utf-8"?>
+<p:sld xmlns:a="http://schemas.openxmlformats.org/drawingml/2006/main" xmlns:r="http://schemas.openxmlformats.org/officeDocument/2006/relationships" xmlns:p="http://schemas.openxmlformats.org/presentationml/2006/main">
+  <p:cSld>
+    <p:bg>
+      <p:bgPr>
+        <a:blipFill dpi="0" rotWithShape="1">
+          <a:blip r:embed="rId2">
+            <a:alphaModFix amt="99000"/>
+            <a:lum/>
+          </a:blip>
+          <a:srcRect/>
+          <a:stretch>
+            <a:fillRect t="89000" r="85000" b="-1000"/>
+          </a:stretch>
+        </a:blipFill>
+        <a:effectLst/>
+      </p:bgPr>
+    </p:bg>
+    <p:spTree>
+      <p:nvGrpSpPr>
+        <p:cNvPr id="1" name=""/>
+        <p:cNvGrpSpPr/>
+        <p:nvPr/>
+      </p:nvGrpSpPr>
+      <p:grpSpPr>
+        <a:xfrm>
+          <a:off x="0" y="0"/>
+          <a:ext cx="0" cy="0"/>
+          <a:chOff x="0" y="0"/>
+          <a:chExt cx="0" cy="0"/>
+        </a:xfrm>
+      </p:grpSpPr>
+      <p:sp>
+        <p:nvSpPr>
+          <p:cNvPr id="2" name="Title 1">
+            <a:extLst>
+              <a:ext uri="{FF2B5EF4-FFF2-40B4-BE49-F238E27FC236}">
+                <a16:creationId xmlns:a16="http://schemas.microsoft.com/office/drawing/2014/main" id="{6A3DCE86-C2BA-4713-9E7A-73589E8D6CCF}"/>
+              </a:ext>
+            </a:extLst>
+          </p:cNvPr>
+          <p:cNvSpPr>
+            <a:spLocks noGrp="1"/>
+          </p:cNvSpPr>
+          <p:nvPr>
+            <p:ph type="ctrTitle"/>
+          </p:nvPr>
+        </p:nvSpPr>
+        <p:spPr>
+          <a:xfrm>
+            <a:off x="1524000" y="189302"/>
+            <a:ext cx="9144000" cy="855727"/>
+          </a:xfrm>
+        </p:spPr>
+        <p:txBody>
+          <a:bodyPr>
+            <a:noAutofit/>
+          </a:bodyPr>
+          <a:lstStyle/>
+          <a:p>
+            <a:r>
+              <a:rPr lang="en-GB" sz="4000" b="1" dirty="0">
+                <a:latin typeface="Calibri Light (Headings)"/>
+              </a:rPr>
+              <a:t>Performance Tuning</a:t>
+            </a:r>
+            <a:endParaRPr lang="en-PH" sz="4000" b="1" dirty="0">
+              <a:latin typeface="Calibri Light (Headings)"/>
+            </a:endParaRPr>
+          </a:p>
+        </p:txBody>
+      </p:sp>
+      <p:sp>
+        <p:nvSpPr>
+          <p:cNvPr id="4" name="Footer Placeholder 3">
+            <a:extLst>
+              <a:ext uri="{FF2B5EF4-FFF2-40B4-BE49-F238E27FC236}">
+                <a16:creationId xmlns:a16="http://schemas.microsoft.com/office/drawing/2014/main" id="{638E7DE1-45EE-476A-A474-0F3C264AEDA3}"/>
+              </a:ext>
+            </a:extLst>
+          </p:cNvPr>
+          <p:cNvSpPr>
+            <a:spLocks noGrp="1"/>
+          </p:cNvSpPr>
+          <p:nvPr>
+            <p:ph type="ftr" sz="quarter" idx="11"/>
+          </p:nvPr>
+        </p:nvSpPr>
+        <p:spPr>
+          <a:xfrm>
+            <a:off x="0" y="6139541"/>
+            <a:ext cx="12192000" cy="718459"/>
+          </a:xfrm>
+          <a:ln w="28575">
+            <a:solidFill>
+              <a:schemeClr val="accent5">
+                <a:lumMod val="50000"/>
+              </a:schemeClr>
+            </a:solidFill>
+          </a:ln>
+        </p:spPr>
+        <p:txBody>
+          <a:bodyPr/>
+          <a:lstStyle/>
+          <a:p>
+            <a:pPr algn="r"/>
+            <a:r>
+              <a:rPr lang="en-PH" b="1" dirty="0">
+                <a:solidFill>
+                  <a:schemeClr val="tx1"/>
+                </a:solidFill>
+                <a:latin typeface="Calibri (Body)"/>
+              </a:rPr>
+              <a:t>CTADVDBL</a:t>
+            </a:r>
+            <a:r>
+              <a:rPr lang="en-PH" dirty="0">
+                <a:latin typeface="Calibri (Body)"/>
+              </a:rPr>
+              <a:t>	</a:t>
+            </a:r>
+          </a:p>
+        </p:txBody>
+      </p:sp>
+      <p:sp>
+        <p:nvSpPr>
+          <p:cNvPr id="10" name="Subtitle 5">
+            <a:extLst>
+              <a:ext uri="{FF2B5EF4-FFF2-40B4-BE49-F238E27FC236}">
+                <a16:creationId xmlns:a16="http://schemas.microsoft.com/office/drawing/2014/main" id="{1393928C-04CA-D15A-DA77-BC6B3DCD04CE}"/>
+              </a:ext>
+            </a:extLst>
+          </p:cNvPr>
+          <p:cNvSpPr>
+            <a:spLocks noGrp="1"/>
+          </p:cNvSpPr>
+          <p:nvPr>
+            <p:ph type="subTitle" idx="1"/>
+          </p:nvPr>
+        </p:nvSpPr>
+        <p:spPr>
+          <a:xfrm>
+            <a:off x="494902" y="1182206"/>
+            <a:ext cx="6346573" cy="4436396"/>
+          </a:xfrm>
+        </p:spPr>
+        <p:txBody>
+          <a:bodyPr>
+            <a:noAutofit/>
+          </a:bodyPr>
+          <a:lstStyle/>
+          <a:p>
+            <a:pPr algn="l"/>
+            <a:r>
+              <a:rPr lang="en-US" dirty="0"/>
+              <a:t>Applications can be made to run significantly faster by </a:t>
+            </a:r>
+            <a:r>
+              <a:rPr lang="en-US" b="1" dirty="0">
+                <a:solidFill>
+                  <a:srgbClr val="00B050"/>
+                </a:solidFill>
+              </a:rPr>
+              <a:t>performance tuning</a:t>
+            </a:r>
+            <a:r>
+              <a:rPr lang="en-US" dirty="0"/>
+              <a:t>.</a:t>
+            </a:r>
+          </a:p>
+          <a:p>
+            <a:pPr algn="l"/>
+            <a:br>
+              <a:rPr lang="en-US" dirty="0"/>
+            </a:br>
+            <a:r>
+              <a:rPr lang="en-US" dirty="0"/>
+              <a:t>Performance tuning consists of finding and eliminating </a:t>
+            </a:r>
+            <a:r>
+              <a:rPr lang="en-US" b="1" dirty="0">
+                <a:solidFill>
+                  <a:srgbClr val="FF0000"/>
+                </a:solidFill>
+              </a:rPr>
+              <a:t>bottlenecks</a:t>
+            </a:r>
+            <a:r>
+              <a:rPr lang="en-US" dirty="0"/>
+              <a:t> and adding appropriate hardware such as memory or disks. </a:t>
+            </a:r>
+          </a:p>
+          <a:p>
+            <a:pPr algn="l"/>
+            <a:endParaRPr lang="en-US" dirty="0"/>
+          </a:p>
+          <a:p>
+            <a:pPr algn="l"/>
+            <a:r>
+              <a:rPr lang="en-US" dirty="0"/>
+              <a:t>There are many things an application developer can do to tune an application, and there are things that a database-system administrator can do to speed up processing for an application. </a:t>
+            </a:r>
+            <a:br>
+              <a:rPr lang="en-US" dirty="0"/>
+            </a:br>
+            <a:endParaRPr lang="en-US" dirty="0"/>
+          </a:p>
+        </p:txBody>
+      </p:sp>
+      <p:pic>
+        <p:nvPicPr>
+          <p:cNvPr id="5" name="Picture 4" descr="A colorful meter with black text&#10;&#10;Description automatically generated">
+            <a:extLst>
+              <a:ext uri="{FF2B5EF4-FFF2-40B4-BE49-F238E27FC236}">
+                <a16:creationId xmlns:a16="http://schemas.microsoft.com/office/drawing/2014/main" id="{942A4179-F9B9-F6D4-B69D-ED13B5707C2D}"/>
+              </a:ext>
+            </a:extLst>
+          </p:cNvPr>
+          <p:cNvPicPr>
+            <a:picLocks noChangeAspect="1"/>
+          </p:cNvPicPr>
+          <p:nvPr/>
+        </p:nvPicPr>
+        <p:blipFill>
+          <a:blip r:embed="rId3">
+            <a:extLst>
+              <a:ext uri="{28A0092B-C50C-407E-A947-70E740481C1C}">
+                <a14:useLocalDpi xmlns:a14="http://schemas.microsoft.com/office/drawing/2010/main" val="0"/>
+              </a:ext>
+            </a:extLst>
+          </a:blip>
+          <a:stretch>
+            <a:fillRect/>
+          </a:stretch>
+        </p:blipFill>
+        <p:spPr>
+          <a:xfrm>
+            <a:off x="8470135" y="1182206"/>
+            <a:ext cx="2919469" cy="2189602"/>
+          </a:xfrm>
+          <a:prstGeom prst="rect">
+            <a:avLst/>
+          </a:prstGeom>
+          <a:effectLst>
+            <a:outerShdw blurRad="50800" dist="38100" dir="2700000" algn="tl" rotWithShape="0">
+              <a:prstClr val="black">
+                <a:alpha val="40000"/>
+              </a:prstClr>
+            </a:outerShdw>
+          </a:effectLst>
+        </p:spPr>
+      </p:pic>
+      <p:pic>
+        <p:nvPicPr>
+          <p:cNvPr id="7" name="Picture 6" descr="A person's hand on a guitar&#10;&#10;Description automatically generated">
+            <a:extLst>
+              <a:ext uri="{FF2B5EF4-FFF2-40B4-BE49-F238E27FC236}">
+                <a16:creationId xmlns:a16="http://schemas.microsoft.com/office/drawing/2014/main" id="{41171FDB-2043-D3F1-3513-8BDDD6A3D254}"/>
+              </a:ext>
+            </a:extLst>
+          </p:cNvPr>
+          <p:cNvPicPr>
+            <a:picLocks noChangeAspect="1"/>
+          </p:cNvPicPr>
+          <p:nvPr/>
+        </p:nvPicPr>
+        <p:blipFill>
+          <a:blip r:embed="rId4">
+            <a:extLst>
+              <a:ext uri="{28A0092B-C50C-407E-A947-70E740481C1C}">
+                <a14:useLocalDpi xmlns:a14="http://schemas.microsoft.com/office/drawing/2010/main" val="0"/>
+              </a:ext>
+            </a:extLst>
+          </a:blip>
+          <a:stretch>
+            <a:fillRect/>
+          </a:stretch>
+        </p:blipFill>
+        <p:spPr>
+          <a:xfrm>
+            <a:off x="8470135" y="3950081"/>
+            <a:ext cx="3079505" cy="1725713"/>
+          </a:xfrm>
+          <a:prstGeom prst="rect">
+            <a:avLst/>
+          </a:prstGeom>
+          <a:effectLst>
+            <a:outerShdw blurRad="50800" dist="38100" dir="2700000" algn="tl" rotWithShape="0">
+              <a:prstClr val="black">
+                <a:alpha val="40000"/>
+              </a:prstClr>
+            </a:outerShdw>
+          </a:effectLst>
+        </p:spPr>
+      </p:pic>
+    </p:spTree>
+    <p:extLst>
+      <p:ext uri="{BB962C8B-B14F-4D97-AF65-F5344CB8AC3E}">
+        <p14:creationId xmlns:p14="http://schemas.microsoft.com/office/powerpoint/2010/main" val="3307725834"/>
+      </p:ext>
+    </p:extLst>
+  </p:cSld>
+  <p:clrMapOvr>
+    <a:masterClrMapping/>
+  </p:clrMapOvr>
+</p:sld>
+</file>
+
+<file path=ppt/slides/slide30.xml><?xml version="1.0" encoding="utf-8"?>
+<p:sld xmlns:a="http://schemas.openxmlformats.org/drawingml/2006/main" xmlns:r="http://schemas.openxmlformats.org/officeDocument/2006/relationships" xmlns:p="http://schemas.openxmlformats.org/presentationml/2006/main">
+  <p:cSld>
+    <p:bg>
+      <p:bgPr>
+        <a:blipFill dpi="0" rotWithShape="1">
+          <a:blip r:embed="rId2">
+            <a:alphaModFix amt="99000"/>
+            <a:lum/>
+          </a:blip>
+          <a:srcRect/>
+          <a:stretch>
+            <a:fillRect t="89000" r="85000" b="-1000"/>
+          </a:stretch>
+        </a:blipFill>
+        <a:effectLst/>
+      </p:bgPr>
+    </p:bg>
+    <p:spTree>
+      <p:nvGrpSpPr>
+        <p:cNvPr id="1" name=""/>
+        <p:cNvGrpSpPr/>
+        <p:nvPr/>
+      </p:nvGrpSpPr>
+      <p:grpSpPr>
+        <a:xfrm>
+          <a:off x="0" y="0"/>
+          <a:ext cx="0" cy="0"/>
+          <a:chOff x="0" y="0"/>
+          <a:chExt cx="0" cy="0"/>
+        </a:xfrm>
+      </p:grpSpPr>
+      <p:sp>
+        <p:nvSpPr>
+          <p:cNvPr id="2" name="Title 1">
+            <a:extLst>
+              <a:ext uri="{FF2B5EF4-FFF2-40B4-BE49-F238E27FC236}">
+                <a16:creationId xmlns:a16="http://schemas.microsoft.com/office/drawing/2014/main" id="{6A3DCE86-C2BA-4713-9E7A-73589E8D6CCF}"/>
+              </a:ext>
+            </a:extLst>
+          </p:cNvPr>
+          <p:cNvSpPr>
+            <a:spLocks noGrp="1"/>
+          </p:cNvSpPr>
+          <p:nvPr>
+            <p:ph type="ctrTitle"/>
+          </p:nvPr>
+        </p:nvSpPr>
+        <p:spPr>
+          <a:xfrm>
+            <a:off x="1524000" y="189302"/>
+            <a:ext cx="9144000" cy="855727"/>
+          </a:xfrm>
+        </p:spPr>
+        <p:txBody>
+          <a:bodyPr>
+            <a:noAutofit/>
+          </a:bodyPr>
+          <a:lstStyle/>
+          <a:p>
+            <a:r>
+              <a:rPr lang="en-GB" sz="4000" b="1" dirty="0">
+                <a:latin typeface="Calibri Light (Headings)"/>
+              </a:rPr>
               <a:t>Tuning Database Parameters</a:t>
             </a:r>
             <a:endParaRPr lang="en-PH" sz="4000" b="1" dirty="0">
@@ -8411,7 +11423,7 @@
 </p:sld>
 </file>
 
-<file path=ppt/slides/slide23.xml><?xml version="1.0" encoding="utf-8"?>
+<file path=ppt/slides/slide31.xml><?xml version="1.0" encoding="utf-8"?>
 <p:sld xmlns:a="http://schemas.openxmlformats.org/drawingml/2006/main" xmlns:r="http://schemas.openxmlformats.org/officeDocument/2006/relationships" xmlns:p="http://schemas.openxmlformats.org/presentationml/2006/main">
   <p:cSld>
     <p:bg>
@@ -8866,314 +11878,6 @@
       </p:par>
     </p:tnLst>
   </p:timing>
-</p:sld>
-</file>
-
-<file path=ppt/slides/slide3.xml><?xml version="1.0" encoding="utf-8"?>
-<p:sld xmlns:a="http://schemas.openxmlformats.org/drawingml/2006/main" xmlns:r="http://schemas.openxmlformats.org/officeDocument/2006/relationships" xmlns:p="http://schemas.openxmlformats.org/presentationml/2006/main">
-  <p:cSld>
-    <p:bg>
-      <p:bgPr>
-        <a:blipFill dpi="0" rotWithShape="1">
-          <a:blip r:embed="rId2">
-            <a:alphaModFix amt="99000"/>
-            <a:lum/>
-          </a:blip>
-          <a:srcRect/>
-          <a:stretch>
-            <a:fillRect t="89000" r="85000" b="-1000"/>
-          </a:stretch>
-        </a:blipFill>
-        <a:effectLst/>
-      </p:bgPr>
-    </p:bg>
-    <p:spTree>
-      <p:nvGrpSpPr>
-        <p:cNvPr id="1" name=""/>
-        <p:cNvGrpSpPr/>
-        <p:nvPr/>
-      </p:nvGrpSpPr>
-      <p:grpSpPr>
-        <a:xfrm>
-          <a:off x="0" y="0"/>
-          <a:ext cx="0" cy="0"/>
-          <a:chOff x="0" y="0"/>
-          <a:chExt cx="0" cy="0"/>
-        </a:xfrm>
-      </p:grpSpPr>
-      <p:sp>
-        <p:nvSpPr>
-          <p:cNvPr id="2" name="Title 1">
-            <a:extLst>
-              <a:ext uri="{FF2B5EF4-FFF2-40B4-BE49-F238E27FC236}">
-                <a16:creationId xmlns:a16="http://schemas.microsoft.com/office/drawing/2014/main" id="{6A3DCE86-C2BA-4713-9E7A-73589E8D6CCF}"/>
-              </a:ext>
-            </a:extLst>
-          </p:cNvPr>
-          <p:cNvSpPr>
-            <a:spLocks noGrp="1"/>
-          </p:cNvSpPr>
-          <p:nvPr>
-            <p:ph type="ctrTitle"/>
-          </p:nvPr>
-        </p:nvSpPr>
-        <p:spPr>
-          <a:xfrm>
-            <a:off x="1524000" y="189302"/>
-            <a:ext cx="9144000" cy="855727"/>
-          </a:xfrm>
-        </p:spPr>
-        <p:txBody>
-          <a:bodyPr>
-            <a:noAutofit/>
-          </a:bodyPr>
-          <a:lstStyle/>
-          <a:p>
-            <a:r>
-              <a:rPr lang="en-GB" sz="4000" b="1" dirty="0">
-                <a:latin typeface="Calibri Light (Headings)"/>
-              </a:rPr>
-              <a:t>Performance Tuning</a:t>
-            </a:r>
-            <a:endParaRPr lang="en-PH" sz="4000" b="1" dirty="0">
-              <a:latin typeface="Calibri Light (Headings)"/>
-            </a:endParaRPr>
-          </a:p>
-        </p:txBody>
-      </p:sp>
-      <p:sp>
-        <p:nvSpPr>
-          <p:cNvPr id="4" name="Footer Placeholder 3">
-            <a:extLst>
-              <a:ext uri="{FF2B5EF4-FFF2-40B4-BE49-F238E27FC236}">
-                <a16:creationId xmlns:a16="http://schemas.microsoft.com/office/drawing/2014/main" id="{638E7DE1-45EE-476A-A474-0F3C264AEDA3}"/>
-              </a:ext>
-            </a:extLst>
-          </p:cNvPr>
-          <p:cNvSpPr>
-            <a:spLocks noGrp="1"/>
-          </p:cNvSpPr>
-          <p:nvPr>
-            <p:ph type="ftr" sz="quarter" idx="11"/>
-          </p:nvPr>
-        </p:nvSpPr>
-        <p:spPr>
-          <a:xfrm>
-            <a:off x="0" y="6139541"/>
-            <a:ext cx="12192000" cy="718459"/>
-          </a:xfrm>
-          <a:ln w="28575">
-            <a:solidFill>
-              <a:schemeClr val="accent5">
-                <a:lumMod val="50000"/>
-              </a:schemeClr>
-            </a:solidFill>
-          </a:ln>
-        </p:spPr>
-        <p:txBody>
-          <a:bodyPr/>
-          <a:lstStyle/>
-          <a:p>
-            <a:pPr algn="r"/>
-            <a:r>
-              <a:rPr lang="en-PH" b="1" dirty="0">
-                <a:solidFill>
-                  <a:schemeClr val="tx1"/>
-                </a:solidFill>
-                <a:latin typeface="Calibri (Body)"/>
-              </a:rPr>
-              <a:t>CTADVDBL</a:t>
-            </a:r>
-            <a:r>
-              <a:rPr lang="en-PH" dirty="0">
-                <a:latin typeface="Calibri (Body)"/>
-              </a:rPr>
-              <a:t>	</a:t>
-            </a:r>
-          </a:p>
-        </p:txBody>
-      </p:sp>
-      <p:sp>
-        <p:nvSpPr>
-          <p:cNvPr id="10" name="Subtitle 5">
-            <a:extLst>
-              <a:ext uri="{FF2B5EF4-FFF2-40B4-BE49-F238E27FC236}">
-                <a16:creationId xmlns:a16="http://schemas.microsoft.com/office/drawing/2014/main" id="{1393928C-04CA-D15A-DA77-BC6B3DCD04CE}"/>
-              </a:ext>
-            </a:extLst>
-          </p:cNvPr>
-          <p:cNvSpPr>
-            <a:spLocks noGrp="1"/>
-          </p:cNvSpPr>
-          <p:nvPr>
-            <p:ph type="subTitle" idx="1"/>
-          </p:nvPr>
-        </p:nvSpPr>
-        <p:spPr>
-          <a:xfrm>
-            <a:off x="494902" y="1182206"/>
-            <a:ext cx="6346573" cy="4436396"/>
-          </a:xfrm>
-        </p:spPr>
-        <p:txBody>
-          <a:bodyPr>
-            <a:noAutofit/>
-          </a:bodyPr>
-          <a:lstStyle/>
-          <a:p>
-            <a:pPr algn="l"/>
-            <a:r>
-              <a:rPr lang="en-US" dirty="0"/>
-              <a:t>Applications can be made to run significantly faster by </a:t>
-            </a:r>
-            <a:r>
-              <a:rPr lang="en-US" b="1" dirty="0">
-                <a:solidFill>
-                  <a:srgbClr val="00B050"/>
-                </a:solidFill>
-              </a:rPr>
-              <a:t>performance tuning</a:t>
-            </a:r>
-            <a:r>
-              <a:rPr lang="en-US" dirty="0"/>
-              <a:t>.</a:t>
-            </a:r>
-          </a:p>
-          <a:p>
-            <a:pPr algn="l"/>
-            <a:br>
-              <a:rPr lang="en-US" dirty="0"/>
-            </a:br>
-            <a:r>
-              <a:rPr lang="en-US" dirty="0"/>
-              <a:t>Performance tuning consists of finding and eliminating </a:t>
-            </a:r>
-            <a:r>
-              <a:rPr lang="en-US" b="1" dirty="0">
-                <a:solidFill>
-                  <a:srgbClr val="FF0000"/>
-                </a:solidFill>
-              </a:rPr>
-              <a:t>bottlenecks</a:t>
-            </a:r>
-            <a:r>
-              <a:rPr lang="en-US" dirty="0"/>
-              <a:t> and adding appropriate hardware such as memory or disks. </a:t>
-            </a:r>
-          </a:p>
-          <a:p>
-            <a:pPr algn="l"/>
-            <a:endParaRPr lang="en-US" dirty="0"/>
-          </a:p>
-          <a:p>
-            <a:pPr algn="l"/>
-            <a:r>
-              <a:rPr lang="en-US" dirty="0"/>
-              <a:t>There are many things an application developer can do to tune an application, and there are things that a database-system administrator can do to speed up processing for an application. </a:t>
-            </a:r>
-            <a:br>
-              <a:rPr lang="en-US" dirty="0"/>
-            </a:br>
-            <a:endParaRPr lang="en-US" dirty="0"/>
-          </a:p>
-        </p:txBody>
-      </p:sp>
-      <p:pic>
-        <p:nvPicPr>
-          <p:cNvPr id="5" name="Picture 4" descr="A colorful meter with black text&#10;&#10;Description automatically generated">
-            <a:extLst>
-              <a:ext uri="{FF2B5EF4-FFF2-40B4-BE49-F238E27FC236}">
-                <a16:creationId xmlns:a16="http://schemas.microsoft.com/office/drawing/2014/main" id="{942A4179-F9B9-F6D4-B69D-ED13B5707C2D}"/>
-              </a:ext>
-            </a:extLst>
-          </p:cNvPr>
-          <p:cNvPicPr>
-            <a:picLocks noChangeAspect="1"/>
-          </p:cNvPicPr>
-          <p:nvPr/>
-        </p:nvPicPr>
-        <p:blipFill>
-          <a:blip r:embed="rId3">
-            <a:extLst>
-              <a:ext uri="{28A0092B-C50C-407E-A947-70E740481C1C}">
-                <a14:useLocalDpi xmlns:a14="http://schemas.microsoft.com/office/drawing/2010/main" val="0"/>
-              </a:ext>
-            </a:extLst>
-          </a:blip>
-          <a:stretch>
-            <a:fillRect/>
-          </a:stretch>
-        </p:blipFill>
-        <p:spPr>
-          <a:xfrm>
-            <a:off x="8470135" y="1182206"/>
-            <a:ext cx="2919469" cy="2189602"/>
-          </a:xfrm>
-          <a:prstGeom prst="rect">
-            <a:avLst/>
-          </a:prstGeom>
-          <a:effectLst>
-            <a:outerShdw blurRad="50800" dist="38100" dir="2700000" algn="tl" rotWithShape="0">
-              <a:prstClr val="black">
-                <a:alpha val="40000"/>
-              </a:prstClr>
-            </a:outerShdw>
-          </a:effectLst>
-        </p:spPr>
-      </p:pic>
-      <p:pic>
-        <p:nvPicPr>
-          <p:cNvPr id="7" name="Picture 6" descr="A person's hand on a guitar&#10;&#10;Description automatically generated">
-            <a:extLst>
-              <a:ext uri="{FF2B5EF4-FFF2-40B4-BE49-F238E27FC236}">
-                <a16:creationId xmlns:a16="http://schemas.microsoft.com/office/drawing/2014/main" id="{41171FDB-2043-D3F1-3513-8BDDD6A3D254}"/>
-              </a:ext>
-            </a:extLst>
-          </p:cNvPr>
-          <p:cNvPicPr>
-            <a:picLocks noChangeAspect="1"/>
-          </p:cNvPicPr>
-          <p:nvPr/>
-        </p:nvPicPr>
-        <p:blipFill>
-          <a:blip r:embed="rId4">
-            <a:extLst>
-              <a:ext uri="{28A0092B-C50C-407E-A947-70E740481C1C}">
-                <a14:useLocalDpi xmlns:a14="http://schemas.microsoft.com/office/drawing/2010/main" val="0"/>
-              </a:ext>
-            </a:extLst>
-          </a:blip>
-          <a:stretch>
-            <a:fillRect/>
-          </a:stretch>
-        </p:blipFill>
-        <p:spPr>
-          <a:xfrm>
-            <a:off x="8470135" y="3950081"/>
-            <a:ext cx="3079505" cy="1725713"/>
-          </a:xfrm>
-          <a:prstGeom prst="rect">
-            <a:avLst/>
-          </a:prstGeom>
-          <a:effectLst>
-            <a:outerShdw blurRad="50800" dist="38100" dir="2700000" algn="tl" rotWithShape="0">
-              <a:prstClr val="black">
-                <a:alpha val="40000"/>
-              </a:prstClr>
-            </a:outerShdw>
-          </a:effectLst>
-        </p:spPr>
-      </p:pic>
-    </p:spTree>
-    <p:extLst>
-      <p:ext uri="{BB962C8B-B14F-4D97-AF65-F5344CB8AC3E}">
-        <p14:creationId xmlns:p14="http://schemas.microsoft.com/office/powerpoint/2010/main" val="3307725834"/>
-      </p:ext>
-    </p:extLst>
-  </p:cSld>
-  <p:clrMapOvr>
-    <a:masterClrMapping/>
-  </p:clrMapOvr>
 </p:sld>
 </file>
 
